--- a/architecture/modularity/modularity.pptx
+++ b/architecture/modularity/modularity.pptx
@@ -203,7 +203,7 @@
             <a:fld id="{186736A9-3899-4DA5-ABAE-EA9F8347A7D0}" type="datetimeFigureOut">
               <a:rPr lang="sk-SK" smtClean="0"/>
               <a:pPr/>
-              <a:t>17. 6. 2012</a:t>
+              <a:t>18. 6. 2012</a:t>
             </a:fld>
             <a:endParaRPr lang="sk-SK"/>
           </a:p>
@@ -1553,7 +1553,7 @@
             <a:fld id="{6A812B65-9A1B-42FF-8DDA-365A2B0950AF}" type="datetimeFigureOut">
               <a:rPr lang="sk-SK" smtClean="0"/>
               <a:pPr/>
-              <a:t>17. 6. 2012</a:t>
+              <a:t>18. 6. 2012</a:t>
             </a:fld>
             <a:endParaRPr lang="sk-SK"/>
           </a:p>
@@ -1720,7 +1720,7 @@
             <a:fld id="{6A812B65-9A1B-42FF-8DDA-365A2B0950AF}" type="datetimeFigureOut">
               <a:rPr lang="sk-SK" smtClean="0"/>
               <a:pPr/>
-              <a:t>17. 6. 2012</a:t>
+              <a:t>18. 6. 2012</a:t>
             </a:fld>
             <a:endParaRPr lang="sk-SK"/>
           </a:p>
@@ -1897,7 +1897,7 @@
             <a:fld id="{6A812B65-9A1B-42FF-8DDA-365A2B0950AF}" type="datetimeFigureOut">
               <a:rPr lang="sk-SK" smtClean="0"/>
               <a:pPr/>
-              <a:t>17. 6. 2012</a:t>
+              <a:t>18. 6. 2012</a:t>
             </a:fld>
             <a:endParaRPr lang="sk-SK"/>
           </a:p>
@@ -2064,7 +2064,7 @@
             <a:fld id="{6A812B65-9A1B-42FF-8DDA-365A2B0950AF}" type="datetimeFigureOut">
               <a:rPr lang="sk-SK" smtClean="0"/>
               <a:pPr/>
-              <a:t>17. 6. 2012</a:t>
+              <a:t>18. 6. 2012</a:t>
             </a:fld>
             <a:endParaRPr lang="sk-SK"/>
           </a:p>
@@ -2307,7 +2307,7 @@
             <a:fld id="{6A812B65-9A1B-42FF-8DDA-365A2B0950AF}" type="datetimeFigureOut">
               <a:rPr lang="sk-SK" smtClean="0"/>
               <a:pPr/>
-              <a:t>17. 6. 2012</a:t>
+              <a:t>18. 6. 2012</a:t>
             </a:fld>
             <a:endParaRPr lang="sk-SK"/>
           </a:p>
@@ -2592,7 +2592,7 @@
             <a:fld id="{6A812B65-9A1B-42FF-8DDA-365A2B0950AF}" type="datetimeFigureOut">
               <a:rPr lang="sk-SK" smtClean="0"/>
               <a:pPr/>
-              <a:t>17. 6. 2012</a:t>
+              <a:t>18. 6. 2012</a:t>
             </a:fld>
             <a:endParaRPr lang="sk-SK"/>
           </a:p>
@@ -3011,7 +3011,7 @@
             <a:fld id="{6A812B65-9A1B-42FF-8DDA-365A2B0950AF}" type="datetimeFigureOut">
               <a:rPr lang="sk-SK" smtClean="0"/>
               <a:pPr/>
-              <a:t>17. 6. 2012</a:t>
+              <a:t>18. 6. 2012</a:t>
             </a:fld>
             <a:endParaRPr lang="sk-SK"/>
           </a:p>
@@ -3126,7 +3126,7 @@
             <a:fld id="{6A812B65-9A1B-42FF-8DDA-365A2B0950AF}" type="datetimeFigureOut">
               <a:rPr lang="sk-SK" smtClean="0"/>
               <a:pPr/>
-              <a:t>17. 6. 2012</a:t>
+              <a:t>18. 6. 2012</a:t>
             </a:fld>
             <a:endParaRPr lang="sk-SK"/>
           </a:p>
@@ -3218,7 +3218,7 @@
             <a:fld id="{6A812B65-9A1B-42FF-8DDA-365A2B0950AF}" type="datetimeFigureOut">
               <a:rPr lang="sk-SK" smtClean="0"/>
               <a:pPr/>
-              <a:t>17. 6. 2012</a:t>
+              <a:t>18. 6. 2012</a:t>
             </a:fld>
             <a:endParaRPr lang="sk-SK"/>
           </a:p>
@@ -3492,7 +3492,7 @@
             <a:fld id="{6A812B65-9A1B-42FF-8DDA-365A2B0950AF}" type="datetimeFigureOut">
               <a:rPr lang="sk-SK" smtClean="0"/>
               <a:pPr/>
-              <a:t>17. 6. 2012</a:t>
+              <a:t>18. 6. 2012</a:t>
             </a:fld>
             <a:endParaRPr lang="sk-SK"/>
           </a:p>
@@ -3742,7 +3742,7 @@
             <a:fld id="{6A812B65-9A1B-42FF-8DDA-365A2B0950AF}" type="datetimeFigureOut">
               <a:rPr lang="sk-SK" smtClean="0"/>
               <a:pPr/>
-              <a:t>17. 6. 2012</a:t>
+              <a:t>18. 6. 2012</a:t>
             </a:fld>
             <a:endParaRPr lang="sk-SK"/>
           </a:p>
@@ -3952,7 +3952,7 @@
             <a:fld id="{6A812B65-9A1B-42FF-8DDA-365A2B0950AF}" type="datetimeFigureOut">
               <a:rPr lang="sk-SK" smtClean="0"/>
               <a:pPr/>
-              <a:t>17. 6. 2012</a:t>
+              <a:t>18. 6. 2012</a:t>
             </a:fld>
             <a:endParaRPr lang="sk-SK"/>
           </a:p>
@@ -4356,9 +4356,16 @@
             <p:ph type="subTitle" idx="1"/>
           </p:nvPr>
         </p:nvSpPr>
-        <p:spPr/>
-        <p:txBody>
-          <a:bodyPr/>
+        <p:spPr>
+          <a:xfrm>
+            <a:off x="990600" y="3886200"/>
+            <a:ext cx="7391400" cy="1752600"/>
+          </a:xfrm>
+        </p:spPr>
+        <p:txBody>
+          <a:bodyPr>
+            <a:normAutofit fontScale="92500"/>
+          </a:bodyPr>
           <a:lstStyle/>
           <a:p>
             <a:pPr algn="l"/>
@@ -4414,8 +4421,18 @@
                 <a:solidFill>
                   <a:srgbClr val="FF0000"/>
                 </a:solidFill>
+                <a:hlinkClick r:id="rId3"/>
               </a:rPr>
-              <a:t>http://github.com/Tibor17/maven</a:t>
+              <a:t>https://</a:t>
+            </a:r>
+            <a:r>
+              <a:rPr lang="sk-SK" sz="2000" dirty="0" smtClean="0">
+                <a:solidFill>
+                  <a:srgbClr val="FF0000"/>
+                </a:solidFill>
+                <a:hlinkClick r:id="rId3"/>
+              </a:rPr>
+              <a:t>github.com/Tibor17/maven/tree/master/architecture/modularity</a:t>
             </a:r>
             <a:r>
               <a:rPr lang="en-US" sz="2000" dirty="0" smtClean="0">
@@ -4423,7 +4440,7 @@
                   <a:srgbClr val="FF0000"/>
                 </a:solidFill>
               </a:rPr>
-              <a:t>/architecture/modularity</a:t>
+              <a:t> </a:t>
             </a:r>
             <a:endParaRPr lang="sk-SK" sz="2000" dirty="0">
               <a:solidFill>
@@ -4687,13 +4704,8 @@
           <a:p>
             <a:r>
               <a:rPr lang="en-US" dirty="0" smtClean="0"/>
-              <a:t>Dependencies </a:t>
-            </a:r>
-            <a:r>
-              <a:rPr lang="en-US" dirty="0" smtClean="0"/>
-              <a:t>Management</a:t>
-            </a:r>
-            <a:endParaRPr lang="en-US" dirty="0" smtClean="0"/>
+              <a:t>Dependencies Management</a:t>
+            </a:r>
           </a:p>
           <a:p>
             <a:r>

--- a/architecture/modularity/modularity.pptx
+++ b/architecture/modularity/modularity.pptx
@@ -203,7 +203,7 @@
             <a:fld id="{186736A9-3899-4DA5-ABAE-EA9F8347A7D0}" type="datetimeFigureOut">
               <a:rPr lang="sk-SK" smtClean="0"/>
               <a:pPr/>
-              <a:t>18. 6. 2012</a:t>
+              <a:t>19. 6. 2012</a:t>
             </a:fld>
             <a:endParaRPr lang="sk-SK"/>
           </a:p>
@@ -1553,7 +1553,7 @@
             <a:fld id="{6A812B65-9A1B-42FF-8DDA-365A2B0950AF}" type="datetimeFigureOut">
               <a:rPr lang="sk-SK" smtClean="0"/>
               <a:pPr/>
-              <a:t>18. 6. 2012</a:t>
+              <a:t>19. 6. 2012</a:t>
             </a:fld>
             <a:endParaRPr lang="sk-SK"/>
           </a:p>
@@ -1720,7 +1720,7 @@
             <a:fld id="{6A812B65-9A1B-42FF-8DDA-365A2B0950AF}" type="datetimeFigureOut">
               <a:rPr lang="sk-SK" smtClean="0"/>
               <a:pPr/>
-              <a:t>18. 6. 2012</a:t>
+              <a:t>19. 6. 2012</a:t>
             </a:fld>
             <a:endParaRPr lang="sk-SK"/>
           </a:p>
@@ -1897,7 +1897,7 @@
             <a:fld id="{6A812B65-9A1B-42FF-8DDA-365A2B0950AF}" type="datetimeFigureOut">
               <a:rPr lang="sk-SK" smtClean="0"/>
               <a:pPr/>
-              <a:t>18. 6. 2012</a:t>
+              <a:t>19. 6. 2012</a:t>
             </a:fld>
             <a:endParaRPr lang="sk-SK"/>
           </a:p>
@@ -2064,7 +2064,7 @@
             <a:fld id="{6A812B65-9A1B-42FF-8DDA-365A2B0950AF}" type="datetimeFigureOut">
               <a:rPr lang="sk-SK" smtClean="0"/>
               <a:pPr/>
-              <a:t>18. 6. 2012</a:t>
+              <a:t>19. 6. 2012</a:t>
             </a:fld>
             <a:endParaRPr lang="sk-SK"/>
           </a:p>
@@ -2307,7 +2307,7 @@
             <a:fld id="{6A812B65-9A1B-42FF-8DDA-365A2B0950AF}" type="datetimeFigureOut">
               <a:rPr lang="sk-SK" smtClean="0"/>
               <a:pPr/>
-              <a:t>18. 6. 2012</a:t>
+              <a:t>19. 6. 2012</a:t>
             </a:fld>
             <a:endParaRPr lang="sk-SK"/>
           </a:p>
@@ -2592,7 +2592,7 @@
             <a:fld id="{6A812B65-9A1B-42FF-8DDA-365A2B0950AF}" type="datetimeFigureOut">
               <a:rPr lang="sk-SK" smtClean="0"/>
               <a:pPr/>
-              <a:t>18. 6. 2012</a:t>
+              <a:t>19. 6. 2012</a:t>
             </a:fld>
             <a:endParaRPr lang="sk-SK"/>
           </a:p>
@@ -3011,7 +3011,7 @@
             <a:fld id="{6A812B65-9A1B-42FF-8DDA-365A2B0950AF}" type="datetimeFigureOut">
               <a:rPr lang="sk-SK" smtClean="0"/>
               <a:pPr/>
-              <a:t>18. 6. 2012</a:t>
+              <a:t>19. 6. 2012</a:t>
             </a:fld>
             <a:endParaRPr lang="sk-SK"/>
           </a:p>
@@ -3126,7 +3126,7 @@
             <a:fld id="{6A812B65-9A1B-42FF-8DDA-365A2B0950AF}" type="datetimeFigureOut">
               <a:rPr lang="sk-SK" smtClean="0"/>
               <a:pPr/>
-              <a:t>18. 6. 2012</a:t>
+              <a:t>19. 6. 2012</a:t>
             </a:fld>
             <a:endParaRPr lang="sk-SK"/>
           </a:p>
@@ -3218,7 +3218,7 @@
             <a:fld id="{6A812B65-9A1B-42FF-8DDA-365A2B0950AF}" type="datetimeFigureOut">
               <a:rPr lang="sk-SK" smtClean="0"/>
               <a:pPr/>
-              <a:t>18. 6. 2012</a:t>
+              <a:t>19. 6. 2012</a:t>
             </a:fld>
             <a:endParaRPr lang="sk-SK"/>
           </a:p>
@@ -3492,7 +3492,7 @@
             <a:fld id="{6A812B65-9A1B-42FF-8DDA-365A2B0950AF}" type="datetimeFigureOut">
               <a:rPr lang="sk-SK" smtClean="0"/>
               <a:pPr/>
-              <a:t>18. 6. 2012</a:t>
+              <a:t>19. 6. 2012</a:t>
             </a:fld>
             <a:endParaRPr lang="sk-SK"/>
           </a:p>
@@ -3742,7 +3742,7 @@
             <a:fld id="{6A812B65-9A1B-42FF-8DDA-365A2B0950AF}" type="datetimeFigureOut">
               <a:rPr lang="sk-SK" smtClean="0"/>
               <a:pPr/>
-              <a:t>18. 6. 2012</a:t>
+              <a:t>19. 6. 2012</a:t>
             </a:fld>
             <a:endParaRPr lang="sk-SK"/>
           </a:p>
@@ -3952,7 +3952,7 @@
             <a:fld id="{6A812B65-9A1B-42FF-8DDA-365A2B0950AF}" type="datetimeFigureOut">
               <a:rPr lang="sk-SK" smtClean="0"/>
               <a:pPr/>
-              <a:t>18. 6. 2012</a:t>
+              <a:t>19. 6. 2012</a:t>
             </a:fld>
             <a:endParaRPr lang="sk-SK"/>
           </a:p>
@@ -4423,16 +4423,7 @@
                 </a:solidFill>
                 <a:hlinkClick r:id="rId3"/>
               </a:rPr>
-              <a:t>https://</a:t>
-            </a:r>
-            <a:r>
-              <a:rPr lang="sk-SK" sz="2000" dirty="0" smtClean="0">
-                <a:solidFill>
-                  <a:srgbClr val="FF0000"/>
-                </a:solidFill>
-                <a:hlinkClick r:id="rId3"/>
-              </a:rPr>
-              <a:t>github.com/Tibor17/maven/tree/master/architecture/modularity</a:t>
+              <a:t>https://github.com/Tibor17/maven/tree/master/architecture/modularity</a:t>
             </a:r>
             <a:r>
               <a:rPr lang="en-US" sz="2000" dirty="0" smtClean="0">
@@ -4505,15 +4496,7 @@
             </a:r>
             <a:r>
               <a:rPr lang="en-US" sz="3600" dirty="0" smtClean="0"/>
-              <a:t>:product-</a:t>
-            </a:r>
-            <a:r>
-              <a:rPr lang="en-US" sz="3600" dirty="0" err="1" smtClean="0"/>
-              <a:t>bom</a:t>
-            </a:r>
-            <a:r>
-              <a:rPr lang="en-US" sz="3600" dirty="0" smtClean="0"/>
-              <a:t>: 1.0.0:pom</a:t>
+              <a:t>:product-bom:pom:1.0.0</a:t>
             </a:r>
             <a:endParaRPr lang="sk-SK" sz="3600" dirty="0"/>
           </a:p>
@@ -4597,7 +4580,7 @@
             </a:r>
             <a:r>
               <a:rPr lang="en-US" sz="3600" dirty="0" smtClean="0"/>
-              <a:t>:internal-bundles-bom:1.0.0:pom</a:t>
+              <a:t>:internal-bundles-bom:pom:1.0.0</a:t>
             </a:r>
             <a:endParaRPr lang="sk-SK" sz="3600" dirty="0"/>
           </a:p>
@@ -5011,8 +4994,9 @@
             </a:br>
             <a:r>
               <a:rPr lang="en-US" i="1" dirty="0" smtClean="0"/>
-              <a:t>com.xyz:product-bom:1.0.0:pom</a:t>
-            </a:r>
+              <a:t>com.xyz:product-bom:pom:1.0.0</a:t>
+            </a:r>
+            <a:endParaRPr lang="en-US" i="1" dirty="0" smtClean="0"/>
           </a:p>
           <a:p>
             <a:r>
@@ -5039,8 +5023,9 @@
             </a:br>
             <a:r>
               <a:rPr lang="en-US" i="1" dirty="0" smtClean="0"/>
-              <a:t>com.xyz:internal-bundles-bom:1.0.0:pom</a:t>
-            </a:r>
+              <a:t>com.xyz:internal-bundles-bom:pom:1.0.0</a:t>
+            </a:r>
+            <a:endParaRPr lang="en-US" i="1" dirty="0" smtClean="0"/>
           </a:p>
           <a:p>
             <a:r>
@@ -5063,7 +5048,7 @@
             </a:br>
             <a:r>
               <a:rPr lang="en-US" i="1" dirty="0" smtClean="0"/>
-              <a:t>com.xyz:external-bundles-bom:1.0.0:pom</a:t>
+              <a:t>com.xyz:external-bundles-bom:pom:1.0.0</a:t>
             </a:r>
             <a:endParaRPr lang="sk-SK" i="1" dirty="0"/>
           </a:p>
@@ -5130,7 +5115,7 @@
       </p:sp>
       <p:pic>
         <p:nvPicPr>
-          <p:cNvPr id="4" name="Zástupný symbol obsahu 3" descr="modularity2.png"/>
+          <p:cNvPr id="6" name="Zástupný symbol obsahu 5" descr="modularity2.png"/>
           <p:cNvPicPr>
             <a:picLocks noGrp="1" noChangeAspect="1"/>
           </p:cNvPicPr>
@@ -5146,8 +5131,8 @@
         </p:blipFill>
         <p:spPr>
           <a:xfrm>
-            <a:off x="2057400" y="1201077"/>
-            <a:ext cx="5105400" cy="5404879"/>
+            <a:off x="2146497" y="1295400"/>
+            <a:ext cx="4894492" cy="5181600"/>
           </a:xfrm>
         </p:spPr>
       </p:pic>
@@ -5249,22 +5234,31 @@
             </a:br>
             <a:r>
               <a:rPr lang="en-US" i="1" dirty="0" smtClean="0"/>
-              <a:t>com.xyz:product-bundle-3:1.0.0:jar</a:t>
+              <a:t>com.xyz:product-bundle-3:jar:1.0.0</a:t>
+            </a:r>
+            <a:r>
+              <a:rPr lang="en-US" i="1" dirty="0" smtClean="0"/>
+              <a:t/>
             </a:r>
             <a:br>
               <a:rPr lang="en-US" i="1" dirty="0" smtClean="0"/>
             </a:br>
             <a:r>
               <a:rPr lang="en-US" i="1" dirty="0" smtClean="0"/>
-              <a:t>com.xyz:product-bundle-2:1.0.0:jar</a:t>
+              <a:t>com.xyz:product-bundle-2:jar:1.0.0</a:t>
+            </a:r>
+            <a:r>
+              <a:rPr lang="en-US" i="1" dirty="0" smtClean="0"/>
+              <a:t/>
             </a:r>
             <a:br>
               <a:rPr lang="en-US" i="1" dirty="0" smtClean="0"/>
             </a:br>
             <a:r>
               <a:rPr lang="en-US" i="1" dirty="0" smtClean="0"/>
-              <a:t>com.xyz:product-bundle-1:1.0.0:jar</a:t>
-            </a:r>
+              <a:t>com.xyz:product-bundle-1:jar:1.0.0</a:t>
+            </a:r>
+            <a:endParaRPr lang="en-US" i="1" dirty="0" smtClean="0"/>
           </a:p>
           <a:p>
             <a:r>
@@ -5276,7 +5270,7 @@
             </a:br>
             <a:r>
               <a:rPr lang="en-US" i="1" dirty="0" smtClean="0"/>
-              <a:t>com.xyz:product-bom:1.0.0:pom</a:t>
+              <a:t>com.xyz:product-bom:pom:1.0.0</a:t>
             </a:r>
             <a:r>
               <a:rPr lang="en-US" dirty="0" smtClean="0"/>
@@ -5423,22 +5417,43 @@
             </a:br>
             <a:r>
               <a:rPr lang="en-US" i="1" dirty="0" smtClean="0"/>
-              <a:t>com.xyz: internal-bundle-1:1.0.0:jar</a:t>
+              <a:t>com.xyz: </a:t>
+            </a:r>
+            <a:r>
+              <a:rPr lang="en-US" i="1" dirty="0" smtClean="0"/>
+              <a:t>internal-bundle-1:jar:1.0.0</a:t>
+            </a:r>
+            <a:r>
+              <a:rPr lang="en-US" i="1" dirty="0" smtClean="0"/>
+              <a:t/>
             </a:r>
             <a:br>
               <a:rPr lang="en-US" i="1" dirty="0" smtClean="0"/>
             </a:br>
             <a:r>
               <a:rPr lang="en-US" i="1" dirty="0" smtClean="0"/>
-              <a:t>com.xyz: internal-bundle-2:1.0.0:jar</a:t>
+              <a:t>com.xyz: </a:t>
+            </a:r>
+            <a:r>
+              <a:rPr lang="en-US" i="1" dirty="0" smtClean="0"/>
+              <a:t>internal-bundle-2:jar:1.0.0</a:t>
+            </a:r>
+            <a:r>
+              <a:rPr lang="en-US" i="1" dirty="0" smtClean="0"/>
+              <a:t/>
             </a:r>
             <a:br>
               <a:rPr lang="en-US" i="1" dirty="0" smtClean="0"/>
             </a:br>
             <a:r>
               <a:rPr lang="en-US" i="1" dirty="0" smtClean="0"/>
-              <a:t>com.xyz: internal-bundle-3:1.0.0:jar</a:t>
-            </a:r>
+              <a:t>com.xyz: </a:t>
+            </a:r>
+            <a:r>
+              <a:rPr lang="en-US" i="1" dirty="0" smtClean="0"/>
+              <a:t>internal-bundle-3:jar:1.0.0</a:t>
+            </a:r>
+            <a:endParaRPr lang="en-US" i="1" dirty="0" smtClean="0"/>
           </a:p>
           <a:p>
             <a:r>
@@ -5450,7 +5465,11 @@
             </a:br>
             <a:r>
               <a:rPr lang="en-US" i="1" dirty="0" smtClean="0"/>
-              <a:t>com.xyz: internal-bundles-bom:1.0.0:pom</a:t>
+              <a:t>com.xyz: </a:t>
+            </a:r>
+            <a:r>
+              <a:rPr lang="en-US" i="1" dirty="0" smtClean="0"/>
+              <a:t>internal-bundles-bom:pom:1.0.0</a:t>
             </a:r>
             <a:r>
               <a:rPr lang="en-US" dirty="0" smtClean="0"/>

--- a/architecture/modularity/modularity.pptx
+++ b/architecture/modularity/modularity.pptx
@@ -4340,7 +4340,18 @@
           <a:p>
             <a:r>
               <a:rPr lang="en-US" dirty="0" smtClean="0"/>
-              <a:t>Enterprise Architecture with Maven Modularity</a:t>
+              <a:t>System Architecture</a:t>
+            </a:r>
+            <a:br>
+              <a:rPr lang="en-US" dirty="0" smtClean="0"/>
+            </a:br>
+            <a:r>
+              <a:rPr lang="en-US" dirty="0" smtClean="0"/>
+              <a:t>using </a:t>
+            </a:r>
+            <a:r>
+              <a:rPr lang="en-US" dirty="0" smtClean="0"/>
+              <a:t>Maven Modularity</a:t>
             </a:r>
             <a:endParaRPr lang="sk-SK" dirty="0"/>
           </a:p>
@@ -4996,7 +5007,6 @@
               <a:rPr lang="en-US" i="1" dirty="0" smtClean="0"/>
               <a:t>com.xyz:product-bom:pom:1.0.0</a:t>
             </a:r>
-            <a:endParaRPr lang="en-US" i="1" dirty="0" smtClean="0"/>
           </a:p>
           <a:p>
             <a:r>
@@ -5025,7 +5035,6 @@
               <a:rPr lang="en-US" i="1" dirty="0" smtClean="0"/>
               <a:t>com.xyz:internal-bundles-bom:pom:1.0.0</a:t>
             </a:r>
-            <a:endParaRPr lang="en-US" i="1" dirty="0" smtClean="0"/>
           </a:p>
           <a:p>
             <a:r>
@@ -5236,10 +5245,6 @@
               <a:rPr lang="en-US" i="1" dirty="0" smtClean="0"/>
               <a:t>com.xyz:product-bundle-3:jar:1.0.0</a:t>
             </a:r>
-            <a:r>
-              <a:rPr lang="en-US" i="1" dirty="0" smtClean="0"/>
-              <a:t/>
-            </a:r>
             <a:br>
               <a:rPr lang="en-US" i="1" dirty="0" smtClean="0"/>
             </a:br>
@@ -5247,10 +5252,6 @@
               <a:rPr lang="en-US" i="1" dirty="0" smtClean="0"/>
               <a:t>com.xyz:product-bundle-2:jar:1.0.0</a:t>
             </a:r>
-            <a:r>
-              <a:rPr lang="en-US" i="1" dirty="0" smtClean="0"/>
-              <a:t/>
-            </a:r>
             <a:br>
               <a:rPr lang="en-US" i="1" dirty="0" smtClean="0"/>
             </a:br>
@@ -5258,7 +5259,6 @@
               <a:rPr lang="en-US" i="1" dirty="0" smtClean="0"/>
               <a:t>com.xyz:product-bundle-1:jar:1.0.0</a:t>
             </a:r>
-            <a:endParaRPr lang="en-US" i="1" dirty="0" smtClean="0"/>
           </a:p>
           <a:p>
             <a:r>
@@ -5417,59 +5417,34 @@
             </a:br>
             <a:r>
               <a:rPr lang="en-US" i="1" dirty="0" smtClean="0"/>
-              <a:t>com.xyz: </a:t>
-            </a:r>
-            <a:r>
-              <a:rPr lang="en-US" i="1" dirty="0" smtClean="0"/>
-              <a:t>internal-bundle-1:jar:1.0.0</a:t>
-            </a:r>
-            <a:r>
-              <a:rPr lang="en-US" i="1" dirty="0" smtClean="0"/>
-              <a:t/>
+              <a:t>com.xyz: internal-bundle-1:jar:1.0.0</a:t>
             </a:r>
             <a:br>
               <a:rPr lang="en-US" i="1" dirty="0" smtClean="0"/>
             </a:br>
             <a:r>
               <a:rPr lang="en-US" i="1" dirty="0" smtClean="0"/>
-              <a:t>com.xyz: </a:t>
-            </a:r>
-            <a:r>
-              <a:rPr lang="en-US" i="1" dirty="0" smtClean="0"/>
-              <a:t>internal-bundle-2:jar:1.0.0</a:t>
-            </a:r>
-            <a:r>
-              <a:rPr lang="en-US" i="1" dirty="0" smtClean="0"/>
-              <a:t/>
+              <a:t>com.xyz: internal-bundle-2:jar:1.0.0</a:t>
             </a:r>
             <a:br>
               <a:rPr lang="en-US" i="1" dirty="0" smtClean="0"/>
             </a:br>
             <a:r>
               <a:rPr lang="en-US" i="1" dirty="0" smtClean="0"/>
-              <a:t>com.xyz: </a:t>
-            </a:r>
+              <a:t>com.xyz: internal-bundle-3:jar:1.0.0</a:t>
+            </a:r>
+          </a:p>
+          <a:p>
+            <a:r>
+              <a:rPr lang="en-US" dirty="0" smtClean="0"/>
+              <a:t>extend from POM</a:t>
+            </a:r>
+            <a:br>
+              <a:rPr lang="en-US" dirty="0" smtClean="0"/>
+            </a:br>
             <a:r>
               <a:rPr lang="en-US" i="1" dirty="0" smtClean="0"/>
-              <a:t>internal-bundle-3:jar:1.0.0</a:t>
-            </a:r>
-            <a:endParaRPr lang="en-US" i="1" dirty="0" smtClean="0"/>
-          </a:p>
-          <a:p>
-            <a:r>
-              <a:rPr lang="en-US" dirty="0" smtClean="0"/>
-              <a:t>extend from POM</a:t>
-            </a:r>
-            <a:br>
-              <a:rPr lang="en-US" dirty="0" smtClean="0"/>
-            </a:br>
-            <a:r>
-              <a:rPr lang="en-US" i="1" dirty="0" smtClean="0"/>
-              <a:t>com.xyz: </a:t>
-            </a:r>
-            <a:r>
-              <a:rPr lang="en-US" i="1" dirty="0" smtClean="0"/>
-              <a:t>internal-bundles-bom:pom:1.0.0</a:t>
+              <a:t>com.xyz: internal-bundles-bom:pom:1.0.0</a:t>
             </a:r>
             <a:r>
               <a:rPr lang="en-US" dirty="0" smtClean="0"/>

--- a/architecture/modularity/modularity.pptx
+++ b/architecture/modularity/modularity.pptx
@@ -5,7 +5,7 @@
     <p:sldMasterId id="2147483648" r:id="rId1"/>
   </p:sldMasterIdLst>
   <p:notesMasterIdLst>
-    <p:notesMasterId r:id="rId13"/>
+    <p:notesMasterId r:id="rId19"/>
   </p:notesMasterIdLst>
   <p:sldIdLst>
     <p:sldId id="256" r:id="rId2"/>
@@ -17,8 +17,14 @@
     <p:sldId id="259" r:id="rId8"/>
     <p:sldId id="263" r:id="rId9"/>
     <p:sldId id="264" r:id="rId10"/>
-    <p:sldId id="266" r:id="rId11"/>
-    <p:sldId id="265" r:id="rId12"/>
+    <p:sldId id="268" r:id="rId11"/>
+    <p:sldId id="266" r:id="rId12"/>
+    <p:sldId id="267" r:id="rId13"/>
+    <p:sldId id="265" r:id="rId14"/>
+    <p:sldId id="269" r:id="rId15"/>
+    <p:sldId id="270" r:id="rId16"/>
+    <p:sldId id="271" r:id="rId17"/>
+    <p:sldId id="272" r:id="rId18"/>
   </p:sldIdLst>
   <p:sldSz cx="9144000" cy="6858000" type="screen4x3"/>
   <p:notesSz cx="6858000" cy="9144000"/>
@@ -702,6 +708,498 @@
               <a:rPr lang="sk-SK" smtClean="0"/>
               <a:pPr/>
               <a:t>11</a:t>
+            </a:fld>
+            <a:endParaRPr lang="sk-SK"/>
+          </a:p>
+        </p:txBody>
+      </p:sp>
+    </p:spTree>
+  </p:cSld>
+  <p:clrMapOvr>
+    <a:masterClrMapping/>
+  </p:clrMapOvr>
+</p:notes>
+</file>
+
+<file path=ppt/notesSlides/notesSlide12.xml><?xml version="1.0" encoding="utf-8"?>
+<p:notes xmlns:a="http://schemas.openxmlformats.org/drawingml/2006/main" xmlns:r="http://schemas.openxmlformats.org/officeDocument/2006/relationships" xmlns:p="http://schemas.openxmlformats.org/presentationml/2006/main">
+  <p:cSld>
+    <p:spTree>
+      <p:nvGrpSpPr>
+        <p:cNvPr id="1" name=""/>
+        <p:cNvGrpSpPr/>
+        <p:nvPr/>
+      </p:nvGrpSpPr>
+      <p:grpSpPr>
+        <a:xfrm>
+          <a:off x="0" y="0"/>
+          <a:ext cx="0" cy="0"/>
+          <a:chOff x="0" y="0"/>
+          <a:chExt cx="0" cy="0"/>
+        </a:xfrm>
+      </p:grpSpPr>
+      <p:sp>
+        <p:nvSpPr>
+          <p:cNvPr id="2" name="Zástupný symbol obrazu snímky 1"/>
+          <p:cNvSpPr>
+            <a:spLocks noGrp="1" noRot="1" noChangeAspect="1"/>
+          </p:cNvSpPr>
+          <p:nvPr>
+            <p:ph type="sldImg"/>
+          </p:nvPr>
+        </p:nvSpPr>
+        <p:spPr/>
+      </p:sp>
+      <p:sp>
+        <p:nvSpPr>
+          <p:cNvPr id="3" name="Zástupný symbol poznámok 2"/>
+          <p:cNvSpPr>
+            <a:spLocks noGrp="1"/>
+          </p:cNvSpPr>
+          <p:nvPr>
+            <p:ph type="body" idx="1"/>
+          </p:nvPr>
+        </p:nvSpPr>
+        <p:spPr/>
+        <p:txBody>
+          <a:bodyPr>
+            <a:normAutofit/>
+          </a:bodyPr>
+          <a:lstStyle/>
+          <a:p>
+            <a:endParaRPr lang="sk-SK"/>
+          </a:p>
+        </p:txBody>
+      </p:sp>
+      <p:sp>
+        <p:nvSpPr>
+          <p:cNvPr id="4" name="Zástupný symbol čísla snímky 3"/>
+          <p:cNvSpPr>
+            <a:spLocks noGrp="1"/>
+          </p:cNvSpPr>
+          <p:nvPr>
+            <p:ph type="sldNum" sz="quarter" idx="10"/>
+          </p:nvPr>
+        </p:nvSpPr>
+        <p:spPr/>
+        <p:txBody>
+          <a:bodyPr/>
+          <a:lstStyle/>
+          <a:p>
+            <a:fld id="{84E261F3-B75B-4839-8EE4-4F4B28321C76}" type="slidenum">
+              <a:rPr lang="sk-SK" smtClean="0"/>
+              <a:pPr/>
+              <a:t>12</a:t>
+            </a:fld>
+            <a:endParaRPr lang="sk-SK"/>
+          </a:p>
+        </p:txBody>
+      </p:sp>
+    </p:spTree>
+  </p:cSld>
+  <p:clrMapOvr>
+    <a:masterClrMapping/>
+  </p:clrMapOvr>
+</p:notes>
+</file>
+
+<file path=ppt/notesSlides/notesSlide13.xml><?xml version="1.0" encoding="utf-8"?>
+<p:notes xmlns:a="http://schemas.openxmlformats.org/drawingml/2006/main" xmlns:r="http://schemas.openxmlformats.org/officeDocument/2006/relationships" xmlns:p="http://schemas.openxmlformats.org/presentationml/2006/main">
+  <p:cSld>
+    <p:spTree>
+      <p:nvGrpSpPr>
+        <p:cNvPr id="1" name=""/>
+        <p:cNvGrpSpPr/>
+        <p:nvPr/>
+      </p:nvGrpSpPr>
+      <p:grpSpPr>
+        <a:xfrm>
+          <a:off x="0" y="0"/>
+          <a:ext cx="0" cy="0"/>
+          <a:chOff x="0" y="0"/>
+          <a:chExt cx="0" cy="0"/>
+        </a:xfrm>
+      </p:grpSpPr>
+      <p:sp>
+        <p:nvSpPr>
+          <p:cNvPr id="2" name="Zástupný symbol obrazu snímky 1"/>
+          <p:cNvSpPr>
+            <a:spLocks noGrp="1" noRot="1" noChangeAspect="1"/>
+          </p:cNvSpPr>
+          <p:nvPr>
+            <p:ph type="sldImg"/>
+          </p:nvPr>
+        </p:nvSpPr>
+        <p:spPr/>
+      </p:sp>
+      <p:sp>
+        <p:nvSpPr>
+          <p:cNvPr id="3" name="Zástupný symbol poznámok 2"/>
+          <p:cNvSpPr>
+            <a:spLocks noGrp="1"/>
+          </p:cNvSpPr>
+          <p:nvPr>
+            <p:ph type="body" idx="1"/>
+          </p:nvPr>
+        </p:nvSpPr>
+        <p:spPr/>
+        <p:txBody>
+          <a:bodyPr>
+            <a:normAutofit/>
+          </a:bodyPr>
+          <a:lstStyle/>
+          <a:p>
+            <a:endParaRPr lang="sk-SK"/>
+          </a:p>
+        </p:txBody>
+      </p:sp>
+      <p:sp>
+        <p:nvSpPr>
+          <p:cNvPr id="4" name="Zástupný symbol čísla snímky 3"/>
+          <p:cNvSpPr>
+            <a:spLocks noGrp="1"/>
+          </p:cNvSpPr>
+          <p:nvPr>
+            <p:ph type="sldNum" sz="quarter" idx="10"/>
+          </p:nvPr>
+        </p:nvSpPr>
+        <p:spPr/>
+        <p:txBody>
+          <a:bodyPr/>
+          <a:lstStyle/>
+          <a:p>
+            <a:fld id="{84E261F3-B75B-4839-8EE4-4F4B28321C76}" type="slidenum">
+              <a:rPr lang="sk-SK" smtClean="0"/>
+              <a:pPr/>
+              <a:t>13</a:t>
+            </a:fld>
+            <a:endParaRPr lang="sk-SK"/>
+          </a:p>
+        </p:txBody>
+      </p:sp>
+    </p:spTree>
+  </p:cSld>
+  <p:clrMapOvr>
+    <a:masterClrMapping/>
+  </p:clrMapOvr>
+</p:notes>
+</file>
+
+<file path=ppt/notesSlides/notesSlide14.xml><?xml version="1.0" encoding="utf-8"?>
+<p:notes xmlns:a="http://schemas.openxmlformats.org/drawingml/2006/main" xmlns:r="http://schemas.openxmlformats.org/officeDocument/2006/relationships" xmlns:p="http://schemas.openxmlformats.org/presentationml/2006/main">
+  <p:cSld>
+    <p:spTree>
+      <p:nvGrpSpPr>
+        <p:cNvPr id="1" name=""/>
+        <p:cNvGrpSpPr/>
+        <p:nvPr/>
+      </p:nvGrpSpPr>
+      <p:grpSpPr>
+        <a:xfrm>
+          <a:off x="0" y="0"/>
+          <a:ext cx="0" cy="0"/>
+          <a:chOff x="0" y="0"/>
+          <a:chExt cx="0" cy="0"/>
+        </a:xfrm>
+      </p:grpSpPr>
+      <p:sp>
+        <p:nvSpPr>
+          <p:cNvPr id="2" name="Zástupný symbol obrazu snímky 1"/>
+          <p:cNvSpPr>
+            <a:spLocks noGrp="1" noRot="1" noChangeAspect="1"/>
+          </p:cNvSpPr>
+          <p:nvPr>
+            <p:ph type="sldImg"/>
+          </p:nvPr>
+        </p:nvSpPr>
+        <p:spPr/>
+      </p:sp>
+      <p:sp>
+        <p:nvSpPr>
+          <p:cNvPr id="3" name="Zástupný symbol poznámok 2"/>
+          <p:cNvSpPr>
+            <a:spLocks noGrp="1"/>
+          </p:cNvSpPr>
+          <p:nvPr>
+            <p:ph type="body" idx="1"/>
+          </p:nvPr>
+        </p:nvSpPr>
+        <p:spPr/>
+        <p:txBody>
+          <a:bodyPr>
+            <a:normAutofit/>
+          </a:bodyPr>
+          <a:lstStyle/>
+          <a:p>
+            <a:endParaRPr lang="sk-SK"/>
+          </a:p>
+        </p:txBody>
+      </p:sp>
+      <p:sp>
+        <p:nvSpPr>
+          <p:cNvPr id="4" name="Zástupný symbol čísla snímky 3"/>
+          <p:cNvSpPr>
+            <a:spLocks noGrp="1"/>
+          </p:cNvSpPr>
+          <p:nvPr>
+            <p:ph type="sldNum" sz="quarter" idx="10"/>
+          </p:nvPr>
+        </p:nvSpPr>
+        <p:spPr/>
+        <p:txBody>
+          <a:bodyPr/>
+          <a:lstStyle/>
+          <a:p>
+            <a:fld id="{84E261F3-B75B-4839-8EE4-4F4B28321C76}" type="slidenum">
+              <a:rPr lang="sk-SK" smtClean="0"/>
+              <a:pPr/>
+              <a:t>14</a:t>
+            </a:fld>
+            <a:endParaRPr lang="sk-SK"/>
+          </a:p>
+        </p:txBody>
+      </p:sp>
+    </p:spTree>
+  </p:cSld>
+  <p:clrMapOvr>
+    <a:masterClrMapping/>
+  </p:clrMapOvr>
+</p:notes>
+</file>
+
+<file path=ppt/notesSlides/notesSlide15.xml><?xml version="1.0" encoding="utf-8"?>
+<p:notes xmlns:a="http://schemas.openxmlformats.org/drawingml/2006/main" xmlns:r="http://schemas.openxmlformats.org/officeDocument/2006/relationships" xmlns:p="http://schemas.openxmlformats.org/presentationml/2006/main">
+  <p:cSld>
+    <p:spTree>
+      <p:nvGrpSpPr>
+        <p:cNvPr id="1" name=""/>
+        <p:cNvGrpSpPr/>
+        <p:nvPr/>
+      </p:nvGrpSpPr>
+      <p:grpSpPr>
+        <a:xfrm>
+          <a:off x="0" y="0"/>
+          <a:ext cx="0" cy="0"/>
+          <a:chOff x="0" y="0"/>
+          <a:chExt cx="0" cy="0"/>
+        </a:xfrm>
+      </p:grpSpPr>
+      <p:sp>
+        <p:nvSpPr>
+          <p:cNvPr id="2" name="Zástupný symbol obrazu snímky 1"/>
+          <p:cNvSpPr>
+            <a:spLocks noGrp="1" noRot="1" noChangeAspect="1"/>
+          </p:cNvSpPr>
+          <p:nvPr>
+            <p:ph type="sldImg"/>
+          </p:nvPr>
+        </p:nvSpPr>
+        <p:spPr/>
+      </p:sp>
+      <p:sp>
+        <p:nvSpPr>
+          <p:cNvPr id="3" name="Zástupný symbol poznámok 2"/>
+          <p:cNvSpPr>
+            <a:spLocks noGrp="1"/>
+          </p:cNvSpPr>
+          <p:nvPr>
+            <p:ph type="body" idx="1"/>
+          </p:nvPr>
+        </p:nvSpPr>
+        <p:spPr/>
+        <p:txBody>
+          <a:bodyPr>
+            <a:normAutofit/>
+          </a:bodyPr>
+          <a:lstStyle/>
+          <a:p>
+            <a:endParaRPr lang="sk-SK"/>
+          </a:p>
+        </p:txBody>
+      </p:sp>
+      <p:sp>
+        <p:nvSpPr>
+          <p:cNvPr id="4" name="Zástupný symbol čísla snímky 3"/>
+          <p:cNvSpPr>
+            <a:spLocks noGrp="1"/>
+          </p:cNvSpPr>
+          <p:nvPr>
+            <p:ph type="sldNum" sz="quarter" idx="10"/>
+          </p:nvPr>
+        </p:nvSpPr>
+        <p:spPr/>
+        <p:txBody>
+          <a:bodyPr/>
+          <a:lstStyle/>
+          <a:p>
+            <a:fld id="{84E261F3-B75B-4839-8EE4-4F4B28321C76}" type="slidenum">
+              <a:rPr lang="sk-SK" smtClean="0"/>
+              <a:pPr/>
+              <a:t>15</a:t>
+            </a:fld>
+            <a:endParaRPr lang="sk-SK"/>
+          </a:p>
+        </p:txBody>
+      </p:sp>
+    </p:spTree>
+  </p:cSld>
+  <p:clrMapOvr>
+    <a:masterClrMapping/>
+  </p:clrMapOvr>
+</p:notes>
+</file>
+
+<file path=ppt/notesSlides/notesSlide16.xml><?xml version="1.0" encoding="utf-8"?>
+<p:notes xmlns:a="http://schemas.openxmlformats.org/drawingml/2006/main" xmlns:r="http://schemas.openxmlformats.org/officeDocument/2006/relationships" xmlns:p="http://schemas.openxmlformats.org/presentationml/2006/main">
+  <p:cSld>
+    <p:spTree>
+      <p:nvGrpSpPr>
+        <p:cNvPr id="1" name=""/>
+        <p:cNvGrpSpPr/>
+        <p:nvPr/>
+      </p:nvGrpSpPr>
+      <p:grpSpPr>
+        <a:xfrm>
+          <a:off x="0" y="0"/>
+          <a:ext cx="0" cy="0"/>
+          <a:chOff x="0" y="0"/>
+          <a:chExt cx="0" cy="0"/>
+        </a:xfrm>
+      </p:grpSpPr>
+      <p:sp>
+        <p:nvSpPr>
+          <p:cNvPr id="2" name="Zástupný symbol obrazu snímky 1"/>
+          <p:cNvSpPr>
+            <a:spLocks noGrp="1" noRot="1" noChangeAspect="1"/>
+          </p:cNvSpPr>
+          <p:nvPr>
+            <p:ph type="sldImg"/>
+          </p:nvPr>
+        </p:nvSpPr>
+        <p:spPr/>
+      </p:sp>
+      <p:sp>
+        <p:nvSpPr>
+          <p:cNvPr id="3" name="Zástupný symbol poznámok 2"/>
+          <p:cNvSpPr>
+            <a:spLocks noGrp="1"/>
+          </p:cNvSpPr>
+          <p:nvPr>
+            <p:ph type="body" idx="1"/>
+          </p:nvPr>
+        </p:nvSpPr>
+        <p:spPr/>
+        <p:txBody>
+          <a:bodyPr>
+            <a:normAutofit/>
+          </a:bodyPr>
+          <a:lstStyle/>
+          <a:p>
+            <a:endParaRPr lang="sk-SK"/>
+          </a:p>
+        </p:txBody>
+      </p:sp>
+      <p:sp>
+        <p:nvSpPr>
+          <p:cNvPr id="4" name="Zástupný symbol čísla snímky 3"/>
+          <p:cNvSpPr>
+            <a:spLocks noGrp="1"/>
+          </p:cNvSpPr>
+          <p:nvPr>
+            <p:ph type="sldNum" sz="quarter" idx="10"/>
+          </p:nvPr>
+        </p:nvSpPr>
+        <p:spPr/>
+        <p:txBody>
+          <a:bodyPr/>
+          <a:lstStyle/>
+          <a:p>
+            <a:fld id="{84E261F3-B75B-4839-8EE4-4F4B28321C76}" type="slidenum">
+              <a:rPr lang="sk-SK" smtClean="0"/>
+              <a:pPr/>
+              <a:t>16</a:t>
+            </a:fld>
+            <a:endParaRPr lang="sk-SK"/>
+          </a:p>
+        </p:txBody>
+      </p:sp>
+    </p:spTree>
+  </p:cSld>
+  <p:clrMapOvr>
+    <a:masterClrMapping/>
+  </p:clrMapOvr>
+</p:notes>
+</file>
+
+<file path=ppt/notesSlides/notesSlide17.xml><?xml version="1.0" encoding="utf-8"?>
+<p:notes xmlns:a="http://schemas.openxmlformats.org/drawingml/2006/main" xmlns:r="http://schemas.openxmlformats.org/officeDocument/2006/relationships" xmlns:p="http://schemas.openxmlformats.org/presentationml/2006/main">
+  <p:cSld>
+    <p:spTree>
+      <p:nvGrpSpPr>
+        <p:cNvPr id="1" name=""/>
+        <p:cNvGrpSpPr/>
+        <p:nvPr/>
+      </p:nvGrpSpPr>
+      <p:grpSpPr>
+        <a:xfrm>
+          <a:off x="0" y="0"/>
+          <a:ext cx="0" cy="0"/>
+          <a:chOff x="0" y="0"/>
+          <a:chExt cx="0" cy="0"/>
+        </a:xfrm>
+      </p:grpSpPr>
+      <p:sp>
+        <p:nvSpPr>
+          <p:cNvPr id="2" name="Zástupný symbol obrazu snímky 1"/>
+          <p:cNvSpPr>
+            <a:spLocks noGrp="1" noRot="1" noChangeAspect="1"/>
+          </p:cNvSpPr>
+          <p:nvPr>
+            <p:ph type="sldImg"/>
+          </p:nvPr>
+        </p:nvSpPr>
+        <p:spPr/>
+      </p:sp>
+      <p:sp>
+        <p:nvSpPr>
+          <p:cNvPr id="3" name="Zástupný symbol poznámok 2"/>
+          <p:cNvSpPr>
+            <a:spLocks noGrp="1"/>
+          </p:cNvSpPr>
+          <p:nvPr>
+            <p:ph type="body" idx="1"/>
+          </p:nvPr>
+        </p:nvSpPr>
+        <p:spPr/>
+        <p:txBody>
+          <a:bodyPr>
+            <a:normAutofit/>
+          </a:bodyPr>
+          <a:lstStyle/>
+          <a:p>
+            <a:endParaRPr lang="sk-SK"/>
+          </a:p>
+        </p:txBody>
+      </p:sp>
+      <p:sp>
+        <p:nvSpPr>
+          <p:cNvPr id="4" name="Zástupný symbol čísla snímky 3"/>
+          <p:cNvSpPr>
+            <a:spLocks noGrp="1"/>
+          </p:cNvSpPr>
+          <p:nvPr>
+            <p:ph type="sldNum" sz="quarter" idx="10"/>
+          </p:nvPr>
+        </p:nvSpPr>
+        <p:spPr/>
+        <p:txBody>
+          <a:bodyPr/>
+          <a:lstStyle/>
+          <a:p>
+            <a:fld id="{84E261F3-B75B-4839-8EE4-4F4B28321C76}" type="slidenum">
+              <a:rPr lang="sk-SK" smtClean="0"/>
+              <a:pPr/>
+              <a:t>17</a:t>
             </a:fld>
             <a:endParaRPr lang="sk-SK"/>
           </a:p>
@@ -4347,11 +4845,7 @@
             </a:br>
             <a:r>
               <a:rPr lang="en-US" dirty="0" smtClean="0"/>
-              <a:t>using </a:t>
-            </a:r>
-            <a:r>
-              <a:rPr lang="en-US" dirty="0" smtClean="0"/>
-              <a:t>Maven Modularity</a:t>
+              <a:t>using Maven Modularity</a:t>
             </a:r>
             <a:endParaRPr lang="sk-SK" dirty="0"/>
           </a:p>
@@ -4496,6 +4990,201 @@
         </p:nvSpPr>
         <p:spPr/>
         <p:txBody>
+          <a:bodyPr/>
+          <a:lstStyle/>
+          <a:p>
+            <a:r>
+              <a:rPr lang="en-US" dirty="0" smtClean="0"/>
+              <a:t>Common BOM’s parent</a:t>
+            </a:r>
+            <a:endParaRPr lang="sk-SK" dirty="0"/>
+          </a:p>
+        </p:txBody>
+      </p:sp>
+      <p:sp>
+        <p:nvSpPr>
+          <p:cNvPr id="3" name="Zástupný symbol obsahu 2"/>
+          <p:cNvSpPr>
+            <a:spLocks noGrp="1"/>
+          </p:cNvSpPr>
+          <p:nvPr>
+            <p:ph idx="1"/>
+          </p:nvPr>
+        </p:nvSpPr>
+        <p:spPr/>
+        <p:txBody>
+          <a:bodyPr>
+            <a:normAutofit/>
+          </a:bodyPr>
+          <a:lstStyle/>
+          <a:p>
+            <a:pPr>
+              <a:buNone/>
+            </a:pPr>
+            <a:r>
+              <a:rPr lang="en-US" sz="3000" dirty="0" smtClean="0"/>
+              <a:t>All three BOM projects have common parent; e.g.:</a:t>
+            </a:r>
+          </a:p>
+          <a:p>
+            <a:pPr>
+              <a:buNone/>
+            </a:pPr>
+            <a:r>
+              <a:rPr lang="sk-SK" sz="3000" i="1" dirty="0" smtClean="0"/>
+              <a:t>&lt;</a:t>
+            </a:r>
+            <a:r>
+              <a:rPr lang="sk-SK" sz="3000" i="1" dirty="0" err="1" smtClean="0"/>
+              <a:t>parent</a:t>
+            </a:r>
+            <a:r>
+              <a:rPr lang="sk-SK" sz="3000" i="1" dirty="0" smtClean="0"/>
+              <a:t>&gt;</a:t>
+            </a:r>
+          </a:p>
+          <a:p>
+            <a:pPr>
+              <a:buNone/>
+            </a:pPr>
+            <a:r>
+              <a:rPr lang="sk-SK" sz="3000" i="1" dirty="0" smtClean="0"/>
+              <a:t>        &lt;</a:t>
+            </a:r>
+            <a:r>
+              <a:rPr lang="sk-SK" sz="3000" i="1" dirty="0" err="1" smtClean="0"/>
+              <a:t>groupId</a:t>
+            </a:r>
+            <a:r>
+              <a:rPr lang="sk-SK" sz="3000" i="1" dirty="0" smtClean="0"/>
+              <a:t>&gt;</a:t>
+            </a:r>
+            <a:r>
+              <a:rPr lang="sk-SK" sz="3000" i="1" dirty="0" err="1" smtClean="0"/>
+              <a:t>com.xyz</a:t>
+            </a:r>
+            <a:r>
+              <a:rPr lang="sk-SK" sz="3000" i="1" dirty="0" smtClean="0"/>
+              <a:t>&lt;/</a:t>
+            </a:r>
+            <a:r>
+              <a:rPr lang="sk-SK" sz="3000" i="1" dirty="0" err="1" smtClean="0"/>
+              <a:t>groupId</a:t>
+            </a:r>
+            <a:r>
+              <a:rPr lang="sk-SK" sz="3000" i="1" dirty="0" smtClean="0"/>
+              <a:t>&gt;</a:t>
+            </a:r>
+          </a:p>
+          <a:p>
+            <a:pPr>
+              <a:buNone/>
+            </a:pPr>
+            <a:r>
+              <a:rPr lang="sk-SK" sz="3000" i="1" dirty="0" smtClean="0"/>
+              <a:t>        &lt;</a:t>
+            </a:r>
+            <a:r>
+              <a:rPr lang="sk-SK" sz="3000" i="1" dirty="0" err="1" smtClean="0"/>
+              <a:t>artifactId</a:t>
+            </a:r>
+            <a:r>
+              <a:rPr lang="sk-SK" sz="3000" i="1" dirty="0" smtClean="0"/>
+              <a:t>&gt;modularity&lt;/</a:t>
+            </a:r>
+            <a:r>
+              <a:rPr lang="sk-SK" sz="3000" i="1" dirty="0" err="1" smtClean="0"/>
+              <a:t>artifactId</a:t>
+            </a:r>
+            <a:r>
+              <a:rPr lang="sk-SK" sz="3000" i="1" dirty="0" smtClean="0"/>
+              <a:t>&gt;</a:t>
+            </a:r>
+          </a:p>
+          <a:p>
+            <a:pPr>
+              <a:buNone/>
+            </a:pPr>
+            <a:r>
+              <a:rPr lang="sk-SK" sz="3000" i="1" dirty="0" smtClean="0"/>
+              <a:t>        &lt;version&gt;1.0.0&lt;/version&gt;</a:t>
+            </a:r>
+          </a:p>
+          <a:p>
+            <a:pPr>
+              <a:buNone/>
+            </a:pPr>
+            <a:r>
+              <a:rPr lang="sk-SK" sz="3000" i="1" dirty="0" smtClean="0"/>
+              <a:t>&lt;/</a:t>
+            </a:r>
+            <a:r>
+              <a:rPr lang="sk-SK" sz="3000" i="1" dirty="0" err="1" smtClean="0"/>
+              <a:t>parent</a:t>
+            </a:r>
+            <a:r>
+              <a:rPr lang="sk-SK" sz="3000" i="1" dirty="0" smtClean="0"/>
+              <a:t>&gt;</a:t>
+            </a:r>
+            <a:endParaRPr lang="en-US" sz="3000" i="1" dirty="0" smtClean="0"/>
+          </a:p>
+          <a:p>
+            <a:pPr>
+              <a:buNone/>
+            </a:pPr>
+            <a:r>
+              <a:rPr lang="en-US" sz="3000" i="1" dirty="0" smtClean="0">
+                <a:solidFill>
+                  <a:srgbClr val="FF0000"/>
+                </a:solidFill>
+              </a:rPr>
+              <a:t>The parent is important to compile all from scratch.</a:t>
+            </a:r>
+            <a:endParaRPr lang="sk-SK" sz="3000" i="1" dirty="0">
+              <a:solidFill>
+                <a:srgbClr val="FF0000"/>
+              </a:solidFill>
+            </a:endParaRPr>
+          </a:p>
+        </p:txBody>
+      </p:sp>
+    </p:spTree>
+  </p:cSld>
+  <p:clrMapOvr>
+    <a:masterClrMapping/>
+  </p:clrMapOvr>
+</p:sld>
+</file>
+
+<file path=ppt/slides/slide11.xml><?xml version="1.0" encoding="utf-8"?>
+<p:sld xmlns:a="http://schemas.openxmlformats.org/drawingml/2006/main" xmlns:r="http://schemas.openxmlformats.org/officeDocument/2006/relationships" xmlns:p="http://schemas.openxmlformats.org/presentationml/2006/main">
+  <p:cSld>
+    <p:spTree>
+      <p:nvGrpSpPr>
+        <p:cNvPr id="1" name=""/>
+        <p:cNvGrpSpPr/>
+        <p:nvPr/>
+      </p:nvGrpSpPr>
+      <p:grpSpPr>
+        <a:xfrm>
+          <a:off x="0" y="0"/>
+          <a:ext cx="0" cy="0"/>
+          <a:chOff x="0" y="0"/>
+          <a:chExt cx="0" cy="0"/>
+        </a:xfrm>
+      </p:grpSpPr>
+      <p:sp>
+        <p:nvSpPr>
+          <p:cNvPr id="2" name="Nadpis 1"/>
+          <p:cNvSpPr>
+            <a:spLocks noGrp="1"/>
+          </p:cNvSpPr>
+          <p:nvPr>
+            <p:ph type="title"/>
+          </p:nvPr>
+        </p:nvSpPr>
+        <p:spPr/>
+        <p:txBody>
           <a:bodyPr>
             <a:normAutofit/>
           </a:bodyPr>
@@ -4551,7 +5240,263 @@
 </p:sld>
 </file>
 
-<file path=ppt/slides/slide11.xml><?xml version="1.0" encoding="utf-8"?>
+<file path=ppt/slides/slide12.xml><?xml version="1.0" encoding="utf-8"?>
+<p:sld xmlns:a="http://schemas.openxmlformats.org/drawingml/2006/main" xmlns:r="http://schemas.openxmlformats.org/officeDocument/2006/relationships" xmlns:p="http://schemas.openxmlformats.org/presentationml/2006/main">
+  <p:cSld>
+    <p:spTree>
+      <p:nvGrpSpPr>
+        <p:cNvPr id="1" name=""/>
+        <p:cNvGrpSpPr/>
+        <p:nvPr/>
+      </p:nvGrpSpPr>
+      <p:grpSpPr>
+        <a:xfrm>
+          <a:off x="0" y="0"/>
+          <a:ext cx="0" cy="0"/>
+          <a:chOff x="0" y="0"/>
+          <a:chExt cx="0" cy="0"/>
+        </a:xfrm>
+      </p:grpSpPr>
+      <p:sp>
+        <p:nvSpPr>
+          <p:cNvPr id="2" name="Nadpis 1"/>
+          <p:cNvSpPr>
+            <a:spLocks noGrp="1"/>
+          </p:cNvSpPr>
+          <p:nvPr>
+            <p:ph type="title"/>
+          </p:nvPr>
+        </p:nvSpPr>
+        <p:spPr/>
+        <p:txBody>
+          <a:bodyPr>
+            <a:normAutofit/>
+          </a:bodyPr>
+          <a:lstStyle/>
+          <a:p>
+            <a:r>
+              <a:rPr lang="sk-SK" sz="3600" dirty="0" err="1" smtClean="0"/>
+              <a:t>com.xyz</a:t>
+            </a:r>
+            <a:r>
+              <a:rPr lang="en-US" sz="3600" dirty="0" smtClean="0"/>
+              <a:t>:product-bom:pom:1.0.0</a:t>
+            </a:r>
+            <a:endParaRPr lang="sk-SK" sz="3600" dirty="0"/>
+          </a:p>
+        </p:txBody>
+      </p:sp>
+      <p:sp>
+        <p:nvSpPr>
+          <p:cNvPr id="5" name="Zástupný symbol obsahu 4"/>
+          <p:cNvSpPr>
+            <a:spLocks noGrp="1"/>
+          </p:cNvSpPr>
+          <p:nvPr>
+            <p:ph idx="1"/>
+          </p:nvPr>
+        </p:nvSpPr>
+        <p:spPr/>
+        <p:txBody>
+          <a:bodyPr>
+            <a:normAutofit fontScale="85000" lnSpcReduction="20000"/>
+          </a:bodyPr>
+          <a:lstStyle/>
+          <a:p>
+            <a:pPr>
+              <a:buNone/>
+            </a:pPr>
+            <a:r>
+              <a:rPr lang="en-US" dirty="0" smtClean="0"/>
+              <a:t>The </a:t>
+            </a:r>
+            <a:r>
+              <a:rPr lang="en-US" dirty="0" smtClean="0"/>
+              <a:t>project does not validate by itself because new</a:t>
+            </a:r>
+          </a:p>
+          <a:p>
+            <a:pPr>
+              <a:buNone/>
+            </a:pPr>
+            <a:r>
+              <a:rPr lang="en-US" i="1" dirty="0" smtClean="0"/>
+              <a:t>internal-bundles-</a:t>
+            </a:r>
+            <a:r>
+              <a:rPr lang="en-US" i="1" dirty="0" err="1" smtClean="0"/>
+              <a:t>bom</a:t>
+            </a:r>
+            <a:r>
+              <a:rPr lang="en-US" dirty="0" smtClean="0"/>
+              <a:t> does not exist in repository.</a:t>
+            </a:r>
+          </a:p>
+          <a:p>
+            <a:pPr>
+              <a:lnSpc>
+                <a:spcPct val="170000"/>
+              </a:lnSpc>
+              <a:buNone/>
+            </a:pPr>
+            <a:r>
+              <a:rPr lang="en-US" dirty="0" smtClean="0"/>
+              <a:t>Therefore deploy with new expected versions:</a:t>
+            </a:r>
+          </a:p>
+          <a:p>
+            <a:pPr marL="514350" indent="-514350">
+              <a:buFont typeface="+mj-lt"/>
+              <a:buAutoNum type="arabicPeriod"/>
+            </a:pPr>
+            <a:r>
+              <a:rPr lang="en-US" dirty="0" smtClean="0"/>
+              <a:t>First alternative</a:t>
+            </a:r>
+          </a:p>
+          <a:p>
+            <a:pPr marL="914400" lvl="1" indent="-514350"/>
+            <a:r>
+              <a:rPr lang="en-US" dirty="0" smtClean="0"/>
+              <a:t>Physically deploy external bundles to your repository</a:t>
+            </a:r>
+          </a:p>
+          <a:p>
+            <a:pPr marL="914400" lvl="1" indent="-514350"/>
+            <a:r>
+              <a:rPr lang="en-US" dirty="0" smtClean="0"/>
+              <a:t>Using </a:t>
+            </a:r>
+            <a:r>
+              <a:rPr lang="en-US" i="1" dirty="0" smtClean="0"/>
+              <a:t>external-bundles-</a:t>
+            </a:r>
+            <a:r>
+              <a:rPr lang="en-US" i="1" dirty="0" err="1" smtClean="0"/>
+              <a:t>bom</a:t>
+            </a:r>
+            <a:r>
+              <a:rPr lang="en-US" dirty="0" smtClean="0"/>
+              <a:t>: </a:t>
+            </a:r>
+            <a:r>
+              <a:rPr lang="en-US" dirty="0" err="1" smtClean="0"/>
+              <a:t>mvn</a:t>
+            </a:r>
+            <a:r>
+              <a:rPr lang="en-US" dirty="0" smtClean="0"/>
+              <a:t> deploy</a:t>
+            </a:r>
+          </a:p>
+          <a:p>
+            <a:pPr marL="914400" lvl="1" indent="-514350"/>
+            <a:r>
+              <a:rPr lang="en-US" dirty="0" smtClean="0"/>
+              <a:t>Using </a:t>
+            </a:r>
+            <a:r>
+              <a:rPr lang="en-US" i="1" dirty="0" smtClean="0"/>
+              <a:t>internal-bundles-</a:t>
+            </a:r>
+            <a:r>
+              <a:rPr lang="en-US" i="1" dirty="0" err="1" smtClean="0"/>
+              <a:t>bom</a:t>
+            </a:r>
+            <a:r>
+              <a:rPr lang="en-US" i="1" dirty="0" smtClean="0"/>
+              <a:t>: </a:t>
+            </a:r>
+            <a:r>
+              <a:rPr lang="en-US" i="1" dirty="0" err="1" smtClean="0"/>
+              <a:t>mvn</a:t>
+            </a:r>
+            <a:r>
+              <a:rPr lang="en-US" i="1" dirty="0" smtClean="0"/>
+              <a:t> deploy</a:t>
+            </a:r>
+            <a:endParaRPr lang="en-US" dirty="0" smtClean="0"/>
+          </a:p>
+          <a:p>
+            <a:pPr marL="914400" lvl="1" indent="-514350"/>
+            <a:r>
+              <a:rPr lang="en-US" dirty="0" smtClean="0"/>
+              <a:t>Deploy product using</a:t>
+            </a:r>
+            <a:r>
+              <a:rPr lang="en-US" i="1" dirty="0" smtClean="0"/>
+              <a:t> product-</a:t>
+            </a:r>
+            <a:r>
+              <a:rPr lang="en-US" i="1" dirty="0" err="1" smtClean="0"/>
+              <a:t>bom</a:t>
+            </a:r>
+            <a:r>
+              <a:rPr lang="en-US" i="1" dirty="0" smtClean="0"/>
+              <a:t>: </a:t>
+            </a:r>
+            <a:r>
+              <a:rPr lang="en-US" i="1" dirty="0" err="1" smtClean="0"/>
+              <a:t>mvn</a:t>
+            </a:r>
+            <a:r>
+              <a:rPr lang="en-US" i="1" dirty="0" smtClean="0"/>
+              <a:t> deploy</a:t>
+            </a:r>
+          </a:p>
+          <a:p>
+            <a:pPr marL="514350" indent="-514350">
+              <a:buFont typeface="+mj-lt"/>
+              <a:buAutoNum type="arabicPeriod"/>
+            </a:pPr>
+            <a:r>
+              <a:rPr lang="en-US" dirty="0" smtClean="0">
+                <a:solidFill>
+                  <a:srgbClr val="FF0000"/>
+                </a:solidFill>
+              </a:rPr>
+              <a:t>Second alternative, use the top parent with new children versions</a:t>
+            </a:r>
+            <a:r>
+              <a:rPr lang="en-US" dirty="0" smtClean="0"/>
+              <a:t>:</a:t>
+            </a:r>
+          </a:p>
+          <a:p>
+            <a:pPr marL="914400" lvl="1" indent="-514350"/>
+            <a:r>
+              <a:rPr lang="en-US" dirty="0" smtClean="0"/>
+              <a:t>Simply deploy using top parent </a:t>
+            </a:r>
+            <a:r>
+              <a:rPr lang="en-US" i="1" dirty="0" smtClean="0"/>
+              <a:t>com.xyz:modularity:1.0.0</a:t>
+            </a:r>
+          </a:p>
+          <a:p>
+            <a:pPr marL="514350" indent="-514350">
+              <a:buFont typeface="+mj-lt"/>
+              <a:buAutoNum type="arabicPeriod"/>
+            </a:pPr>
+            <a:endParaRPr lang="sk-SK" dirty="0"/>
+          </a:p>
+        </p:txBody>
+      </p:sp>
+    </p:spTree>
+  </p:cSld>
+  <p:clrMapOvr>
+    <a:masterClrMapping/>
+  </p:clrMapOvr>
+  <p:timing>
+    <p:tnLst>
+      <p:par>
+        <p:cTn id="1" dur="indefinite" restart="never" nodeType="tmRoot"/>
+      </p:par>
+    </p:tnLst>
+  </p:timing>
+</p:sld>
+</file>
+
+<file path=ppt/slides/slide13.xml><?xml version="1.0" encoding="utf-8"?>
 <p:sld xmlns:a="http://schemas.openxmlformats.org/drawingml/2006/main" xmlns:r="http://schemas.openxmlformats.org/officeDocument/2006/relationships" xmlns:p="http://schemas.openxmlformats.org/presentationml/2006/main">
   <p:cSld>
     <p:spTree>
@@ -4635,6 +5580,453 @@
 </p:sld>
 </file>
 
+<file path=ppt/slides/slide14.xml><?xml version="1.0" encoding="utf-8"?>
+<p:sld xmlns:a="http://schemas.openxmlformats.org/drawingml/2006/main" xmlns:r="http://schemas.openxmlformats.org/officeDocument/2006/relationships" xmlns:p="http://schemas.openxmlformats.org/presentationml/2006/main">
+  <p:cSld>
+    <p:spTree>
+      <p:nvGrpSpPr>
+        <p:cNvPr id="1" name=""/>
+        <p:cNvGrpSpPr/>
+        <p:nvPr/>
+      </p:nvGrpSpPr>
+      <p:grpSpPr>
+        <a:xfrm>
+          <a:off x="0" y="0"/>
+          <a:ext cx="0" cy="0"/>
+          <a:chOff x="0" y="0"/>
+          <a:chExt cx="0" cy="0"/>
+        </a:xfrm>
+      </p:grpSpPr>
+      <p:sp>
+        <p:nvSpPr>
+          <p:cNvPr id="2" name="Nadpis 1"/>
+          <p:cNvSpPr>
+            <a:spLocks noGrp="1"/>
+          </p:cNvSpPr>
+          <p:nvPr>
+            <p:ph type="title"/>
+          </p:nvPr>
+        </p:nvSpPr>
+        <p:spPr/>
+        <p:txBody>
+          <a:bodyPr>
+            <a:noAutofit/>
+          </a:bodyPr>
+          <a:lstStyle/>
+          <a:p>
+            <a:r>
+              <a:rPr lang="sk-SK" sz="3600" dirty="0" err="1" smtClean="0"/>
+              <a:t>com.xyz</a:t>
+            </a:r>
+            <a:r>
+              <a:rPr lang="en-US" sz="3600" dirty="0" smtClean="0"/>
+              <a:t>:internal-bundles-bom:pom:1.0.0</a:t>
+            </a:r>
+            <a:endParaRPr lang="sk-SK" sz="3600" dirty="0"/>
+          </a:p>
+        </p:txBody>
+      </p:sp>
+      <p:sp>
+        <p:nvSpPr>
+          <p:cNvPr id="5" name="Zástupný symbol obsahu 4"/>
+          <p:cNvSpPr>
+            <a:spLocks noGrp="1"/>
+          </p:cNvSpPr>
+          <p:nvPr>
+            <p:ph idx="1"/>
+          </p:nvPr>
+        </p:nvSpPr>
+        <p:spPr/>
+        <p:txBody>
+          <a:bodyPr/>
+          <a:lstStyle/>
+          <a:p>
+            <a:pPr>
+              <a:buNone/>
+            </a:pPr>
+            <a:r>
+              <a:rPr lang="en-US" dirty="0" smtClean="0"/>
+              <a:t>In order to deploy internal bundles:</a:t>
+            </a:r>
+          </a:p>
+          <a:p>
+            <a:r>
+              <a:rPr lang="en-US" dirty="0" smtClean="0"/>
+              <a:t>P</a:t>
+            </a:r>
+            <a:r>
+              <a:rPr lang="en-US" dirty="0" smtClean="0"/>
+              <a:t>repare repository with external artifacts</a:t>
+            </a:r>
+          </a:p>
+          <a:p>
+            <a:r>
+              <a:rPr lang="en-US" dirty="0" smtClean="0"/>
+              <a:t>Resolve conflicts on </a:t>
+            </a:r>
+            <a:r>
+              <a:rPr lang="en-US" dirty="0" smtClean="0"/>
+              <a:t>external artifacts</a:t>
+            </a:r>
+            <a:endParaRPr lang="sk-SK" dirty="0"/>
+          </a:p>
+        </p:txBody>
+      </p:sp>
+    </p:spTree>
+  </p:cSld>
+  <p:clrMapOvr>
+    <a:masterClrMapping/>
+  </p:clrMapOvr>
+  <p:timing>
+    <p:tnLst>
+      <p:par>
+        <p:cTn id="1" dur="indefinite" restart="never" nodeType="tmRoot"/>
+      </p:par>
+    </p:tnLst>
+  </p:timing>
+</p:sld>
+</file>
+
+<file path=ppt/slides/slide15.xml><?xml version="1.0" encoding="utf-8"?>
+<p:sld xmlns:a="http://schemas.openxmlformats.org/drawingml/2006/main" xmlns:r="http://schemas.openxmlformats.org/officeDocument/2006/relationships" xmlns:p="http://schemas.openxmlformats.org/presentationml/2006/main">
+  <p:cSld>
+    <p:spTree>
+      <p:nvGrpSpPr>
+        <p:cNvPr id="1" name=""/>
+        <p:cNvGrpSpPr/>
+        <p:nvPr/>
+      </p:nvGrpSpPr>
+      <p:grpSpPr>
+        <a:xfrm>
+          <a:off x="0" y="0"/>
+          <a:ext cx="0" cy="0"/>
+          <a:chOff x="0" y="0"/>
+          <a:chExt cx="0" cy="0"/>
+        </a:xfrm>
+      </p:grpSpPr>
+      <p:sp>
+        <p:nvSpPr>
+          <p:cNvPr id="2" name="Nadpis 1"/>
+          <p:cNvSpPr>
+            <a:spLocks noGrp="1"/>
+          </p:cNvSpPr>
+          <p:nvPr>
+            <p:ph type="title"/>
+          </p:nvPr>
+        </p:nvSpPr>
+        <p:spPr/>
+        <p:txBody>
+          <a:bodyPr/>
+          <a:lstStyle/>
+          <a:p>
+            <a:r>
+              <a:rPr lang="en-US" dirty="0" smtClean="0"/>
+              <a:t>Resolve conflicting versions</a:t>
+            </a:r>
+            <a:endParaRPr lang="sk-SK" dirty="0"/>
+          </a:p>
+        </p:txBody>
+      </p:sp>
+      <p:sp>
+        <p:nvSpPr>
+          <p:cNvPr id="3" name="Zástupný symbol obsahu 2"/>
+          <p:cNvSpPr>
+            <a:spLocks noGrp="1"/>
+          </p:cNvSpPr>
+          <p:nvPr>
+            <p:ph idx="1"/>
+          </p:nvPr>
+        </p:nvSpPr>
+        <p:spPr/>
+        <p:txBody>
+          <a:bodyPr/>
+          <a:lstStyle/>
+          <a:p>
+            <a:r>
+              <a:rPr lang="en-US" dirty="0" smtClean="0"/>
+              <a:t>Exclusions applied only to external artifacts.</a:t>
+            </a:r>
+            <a:endParaRPr lang="en-US" dirty="0" smtClean="0"/>
+          </a:p>
+          <a:p>
+            <a:r>
+              <a:rPr lang="en-US" dirty="0" smtClean="0"/>
+              <a:t>Conflicts are resolved by increased version (except for major version)</a:t>
+            </a:r>
+          </a:p>
+        </p:txBody>
+      </p:sp>
+    </p:spTree>
+  </p:cSld>
+  <p:clrMapOvr>
+    <a:masterClrMapping/>
+  </p:clrMapOvr>
+</p:sld>
+</file>
+
+<file path=ppt/slides/slide16.xml><?xml version="1.0" encoding="utf-8"?>
+<p:sld xmlns:a="http://schemas.openxmlformats.org/drawingml/2006/main" xmlns:r="http://schemas.openxmlformats.org/officeDocument/2006/relationships" xmlns:p="http://schemas.openxmlformats.org/presentationml/2006/main">
+  <p:cSld>
+    <p:spTree>
+      <p:nvGrpSpPr>
+        <p:cNvPr id="1" name=""/>
+        <p:cNvGrpSpPr/>
+        <p:nvPr/>
+      </p:nvGrpSpPr>
+      <p:grpSpPr>
+        <a:xfrm>
+          <a:off x="0" y="0"/>
+          <a:ext cx="0" cy="0"/>
+          <a:chOff x="0" y="0"/>
+          <a:chExt cx="0" cy="0"/>
+        </a:xfrm>
+      </p:grpSpPr>
+      <p:sp>
+        <p:nvSpPr>
+          <p:cNvPr id="2" name="Nadpis 1"/>
+          <p:cNvSpPr>
+            <a:spLocks noGrp="1"/>
+          </p:cNvSpPr>
+          <p:nvPr>
+            <p:ph type="title"/>
+          </p:nvPr>
+        </p:nvSpPr>
+        <p:spPr/>
+        <p:txBody>
+          <a:bodyPr>
+            <a:normAutofit fontScale="90000"/>
+          </a:bodyPr>
+          <a:lstStyle/>
+          <a:p>
+            <a:r>
+              <a:rPr lang="en-US" dirty="0" smtClean="0"/>
+              <a:t>Example of resolving conflicts on external bundles</a:t>
+            </a:r>
+            <a:endParaRPr lang="sk-SK" dirty="0"/>
+          </a:p>
+        </p:txBody>
+      </p:sp>
+      <p:sp>
+        <p:nvSpPr>
+          <p:cNvPr id="3" name="Zástupný symbol obsahu 2"/>
+          <p:cNvSpPr>
+            <a:spLocks noGrp="1"/>
+          </p:cNvSpPr>
+          <p:nvPr>
+            <p:ph idx="1"/>
+          </p:nvPr>
+        </p:nvSpPr>
+        <p:spPr/>
+        <p:txBody>
+          <a:bodyPr/>
+          <a:lstStyle/>
+          <a:p>
+            <a:pPr algn="ctr">
+              <a:buNone/>
+            </a:pPr>
+            <a:r>
+              <a:rPr lang="en-US" i="1" dirty="0" smtClean="0"/>
+              <a:t>com.xyz:external-bundles-bom:pom:1.0.0</a:t>
+            </a:r>
+          </a:p>
+          <a:p>
+            <a:pPr>
+              <a:buNone/>
+            </a:pPr>
+            <a:endParaRPr lang="sk-SK" dirty="0"/>
+          </a:p>
+        </p:txBody>
+      </p:sp>
+      <p:pic>
+        <p:nvPicPr>
+          <p:cNvPr id="5" name="Obrázok 4" descr="exclusions.png"/>
+          <p:cNvPicPr>
+            <a:picLocks noChangeAspect="1"/>
+          </p:cNvPicPr>
+          <p:nvPr/>
+        </p:nvPicPr>
+        <p:blipFill>
+          <a:blip r:embed="rId3" cstate="print"/>
+          <a:stretch>
+            <a:fillRect/>
+          </a:stretch>
+        </p:blipFill>
+        <p:spPr>
+          <a:xfrm>
+            <a:off x="2590800" y="2133600"/>
+            <a:ext cx="4218230" cy="4343400"/>
+          </a:xfrm>
+          <a:prstGeom prst="rect">
+            <a:avLst/>
+          </a:prstGeom>
+        </p:spPr>
+      </p:pic>
+    </p:spTree>
+  </p:cSld>
+  <p:clrMapOvr>
+    <a:masterClrMapping/>
+  </p:clrMapOvr>
+</p:sld>
+</file>
+
+<file path=ppt/slides/slide17.xml><?xml version="1.0" encoding="utf-8"?>
+<p:sld xmlns:a="http://schemas.openxmlformats.org/drawingml/2006/main" xmlns:r="http://schemas.openxmlformats.org/officeDocument/2006/relationships" xmlns:p="http://schemas.openxmlformats.org/presentationml/2006/main">
+  <p:cSld>
+    <p:spTree>
+      <p:nvGrpSpPr>
+        <p:cNvPr id="1" name=""/>
+        <p:cNvGrpSpPr/>
+        <p:nvPr/>
+      </p:nvGrpSpPr>
+      <p:grpSpPr>
+        <a:xfrm>
+          <a:off x="0" y="0"/>
+          <a:ext cx="0" cy="0"/>
+          <a:chOff x="0" y="0"/>
+          <a:chExt cx="0" cy="0"/>
+        </a:xfrm>
+      </p:grpSpPr>
+      <p:sp>
+        <p:nvSpPr>
+          <p:cNvPr id="2" name="Nadpis 1"/>
+          <p:cNvSpPr>
+            <a:spLocks noGrp="1"/>
+          </p:cNvSpPr>
+          <p:nvPr>
+            <p:ph type="title"/>
+          </p:nvPr>
+        </p:nvSpPr>
+        <p:spPr/>
+        <p:txBody>
+          <a:bodyPr/>
+          <a:lstStyle/>
+          <a:p>
+            <a:r>
+              <a:rPr lang="en-US" dirty="0" smtClean="0"/>
+              <a:t>Thank you!</a:t>
+            </a:r>
+            <a:endParaRPr lang="sk-SK" dirty="0"/>
+          </a:p>
+        </p:txBody>
+      </p:sp>
+      <p:sp>
+        <p:nvSpPr>
+          <p:cNvPr id="3" name="Zástupný symbol obsahu 2"/>
+          <p:cNvSpPr>
+            <a:spLocks noGrp="1"/>
+          </p:cNvSpPr>
+          <p:nvPr>
+            <p:ph idx="1"/>
+          </p:nvPr>
+        </p:nvSpPr>
+        <p:spPr/>
+        <p:txBody>
+          <a:bodyPr/>
+          <a:lstStyle/>
+          <a:p>
+            <a:pPr algn="ctr">
+              <a:buNone/>
+            </a:pPr>
+            <a:endParaRPr lang="en-US" dirty="0" smtClean="0"/>
+          </a:p>
+          <a:p>
+            <a:pPr algn="ctr">
+              <a:buNone/>
+            </a:pPr>
+            <a:endParaRPr lang="en-US" dirty="0" smtClean="0"/>
+          </a:p>
+          <a:p>
+            <a:pPr algn="ctr">
+              <a:buNone/>
+            </a:pPr>
+            <a:r>
+              <a:rPr lang="en-US" dirty="0" smtClean="0"/>
+              <a:t>Download Sources</a:t>
+            </a:r>
+            <a:endParaRPr lang="en-US" sz="2000" dirty="0" smtClean="0">
+              <a:solidFill>
+                <a:srgbClr val="FF0000"/>
+              </a:solidFill>
+              <a:hlinkClick r:id="rId3"/>
+            </a:endParaRPr>
+          </a:p>
+          <a:p>
+            <a:pPr algn="ctr">
+              <a:buNone/>
+            </a:pPr>
+            <a:endParaRPr lang="en-US" sz="2000" dirty="0" smtClean="0">
+              <a:solidFill>
+                <a:srgbClr val="FF0000"/>
+              </a:solidFill>
+              <a:hlinkClick r:id="rId3"/>
+            </a:endParaRPr>
+          </a:p>
+          <a:p>
+            <a:pPr algn="ctr">
+              <a:buNone/>
+            </a:pPr>
+            <a:r>
+              <a:rPr lang="sk-SK" sz="2000" b="1" dirty="0" smtClean="0">
+                <a:solidFill>
+                  <a:srgbClr val="FF0000"/>
+                </a:solidFill>
+                <a:hlinkClick r:id="rId3"/>
+              </a:rPr>
+              <a:t>https</a:t>
+            </a:r>
+            <a:r>
+              <a:rPr lang="sk-SK" sz="2000" b="1" dirty="0" smtClean="0">
+                <a:solidFill>
+                  <a:srgbClr val="FF0000"/>
+                </a:solidFill>
+                <a:hlinkClick r:id="rId3"/>
+              </a:rPr>
+              <a:t>://</a:t>
+            </a:r>
+            <a:r>
+              <a:rPr lang="sk-SK" sz="2000" b="1" dirty="0" smtClean="0">
+                <a:solidFill>
+                  <a:srgbClr val="FF0000"/>
+                </a:solidFill>
+                <a:hlinkClick r:id="rId3"/>
+              </a:rPr>
+              <a:t>github.com/Tibor17/maven</a:t>
+            </a:r>
+            <a:r>
+              <a:rPr lang="sk-SK" sz="2000" dirty="0" smtClean="0">
+                <a:solidFill>
+                  <a:srgbClr val="FF0000"/>
+                </a:solidFill>
+                <a:hlinkClick r:id="rId3"/>
+              </a:rPr>
+              <a:t>/tree/master/architecture/modularity</a:t>
+            </a:r>
+            <a:endParaRPr lang="en-US" sz="2000" dirty="0" smtClean="0">
+              <a:solidFill>
+                <a:srgbClr val="FF0000"/>
+              </a:solidFill>
+            </a:endParaRPr>
+          </a:p>
+          <a:p>
+            <a:pPr>
+              <a:buNone/>
+            </a:pPr>
+            <a:endParaRPr lang="sk-SK" dirty="0" smtClean="0">
+              <a:solidFill>
+                <a:srgbClr val="FF0000"/>
+              </a:solidFill>
+            </a:endParaRPr>
+          </a:p>
+        </p:txBody>
+      </p:sp>
+    </p:spTree>
+  </p:cSld>
+  <p:clrMapOvr>
+    <a:masterClrMapping/>
+  </p:clrMapOvr>
+</p:sld>
+</file>
+
 <file path=ppt/slides/slide2.xml><?xml version="1.0" encoding="utf-8"?>
 <p:sld xmlns:a="http://schemas.openxmlformats.org/drawingml/2006/main" xmlns:r="http://schemas.openxmlformats.org/officeDocument/2006/relationships" xmlns:p="http://schemas.openxmlformats.org/presentationml/2006/main">
   <p:cSld>
@@ -4708,7 +6100,11 @@
             </a:r>
             <a:r>
               <a:rPr lang="en-US" b="1" dirty="0" smtClean="0"/>
-              <a:t>hell of duplicate versions</a:t>
+              <a:t>hell of duplicate </a:t>
+            </a:r>
+            <a:r>
+              <a:rPr lang="en-US" b="1" dirty="0" smtClean="0"/>
+              <a:t>and conflicting versions</a:t>
             </a:r>
             <a:endParaRPr lang="sk-SK" b="1" dirty="0"/>
           </a:p>
@@ -5124,7 +6520,7 @@
       </p:sp>
       <p:pic>
         <p:nvPicPr>
-          <p:cNvPr id="6" name="Zástupný symbol obsahu 5" descr="modularity2.png"/>
+          <p:cNvPr id="5" name="Zástupný symbol obsahu 4" descr="modularity2.png"/>
           <p:cNvPicPr>
             <a:picLocks noGrp="1" noChangeAspect="1"/>
           </p:cNvPicPr>
@@ -5140,8 +6536,8 @@
         </p:blipFill>
         <p:spPr>
           <a:xfrm>
-            <a:off x="2146497" y="1295400"/>
-            <a:ext cx="4894492" cy="5181600"/>
+            <a:off x="2057400" y="1201077"/>
+            <a:ext cx="5181600" cy="5485549"/>
           </a:xfrm>
         </p:spPr>
       </p:pic>
@@ -5417,22 +6813,31 @@
             </a:br>
             <a:r>
               <a:rPr lang="en-US" i="1" dirty="0" smtClean="0"/>
-              <a:t>com.xyz: internal-bundle-1:jar:1.0.0</a:t>
+              <a:t>com.xyz:internal-bundle-1:jar:1.0.0</a:t>
+            </a:r>
+            <a:r>
+              <a:rPr lang="en-US" i="1" dirty="0" smtClean="0"/>
+              <a:t/>
             </a:r>
             <a:br>
               <a:rPr lang="en-US" i="1" dirty="0" smtClean="0"/>
             </a:br>
             <a:r>
               <a:rPr lang="en-US" i="1" dirty="0" smtClean="0"/>
-              <a:t>com.xyz: internal-bundle-2:jar:1.0.0</a:t>
+              <a:t>com.xyz:internal-bundle-2:jar:1.0.0</a:t>
+            </a:r>
+            <a:r>
+              <a:rPr lang="en-US" i="1" dirty="0" smtClean="0"/>
+              <a:t/>
             </a:r>
             <a:br>
               <a:rPr lang="en-US" i="1" dirty="0" smtClean="0"/>
             </a:br>
             <a:r>
               <a:rPr lang="en-US" i="1" dirty="0" smtClean="0"/>
-              <a:t>com.xyz: internal-bundle-3:jar:1.0.0</a:t>
-            </a:r>
+              <a:t>com.xyz:internal-bundle-3:jar:1.0.0</a:t>
+            </a:r>
+            <a:endParaRPr lang="en-US" i="1" dirty="0" smtClean="0"/>
           </a:p>
           <a:p>
             <a:r>
@@ -5444,7 +6849,7 @@
             </a:br>
             <a:r>
               <a:rPr lang="en-US" i="1" dirty="0" smtClean="0"/>
-              <a:t>com.xyz: internal-bundles-bom:pom:1.0.0</a:t>
+              <a:t>com.xyz:internal-bundles-bom:pom:1.0.0</a:t>
             </a:r>
             <a:r>
               <a:rPr lang="en-US" dirty="0" smtClean="0"/>
@@ -5499,7 +6904,7 @@
             </a:br>
             <a:r>
               <a:rPr lang="en-US" i="1" dirty="0" smtClean="0"/>
-              <a:t>internal-bundle-1</a:t>
+              <a:t>internal-bundle-3</a:t>
             </a:r>
             <a:endParaRPr lang="sk-SK" dirty="0"/>
           </a:p>

--- a/architecture/modularity/modularity.pptx
+++ b/architecture/modularity/modularity.pptx
@@ -5,7 +5,7 @@
     <p:sldMasterId id="2147483648" r:id="rId1"/>
   </p:sldMasterIdLst>
   <p:notesMasterIdLst>
-    <p:notesMasterId r:id="rId19"/>
+    <p:notesMasterId r:id="rId20"/>
   </p:notesMasterIdLst>
   <p:sldIdLst>
     <p:sldId id="256" r:id="rId2"/>
@@ -24,7 +24,8 @@
     <p:sldId id="269" r:id="rId15"/>
     <p:sldId id="270" r:id="rId16"/>
     <p:sldId id="271" r:id="rId17"/>
-    <p:sldId id="272" r:id="rId18"/>
+    <p:sldId id="273" r:id="rId18"/>
+    <p:sldId id="272" r:id="rId19"/>
   </p:sldIdLst>
   <p:sldSz cx="9144000" cy="6858000" type="screen4x3"/>
   <p:notesSz cx="6858000" cy="9144000"/>
@@ -209,7 +210,7 @@
             <a:fld id="{186736A9-3899-4DA5-ABAE-EA9F8347A7D0}" type="datetimeFigureOut">
               <a:rPr lang="sk-SK" smtClean="0"/>
               <a:pPr/>
-              <a:t>19. 6. 2012</a:t>
+              <a:t>24. 6. 2012</a:t>
             </a:fld>
             <a:endParaRPr lang="sk-SK"/>
           </a:p>
@@ -1213,6 +1214,88 @@
 </p:notes>
 </file>
 
+<file path=ppt/notesSlides/notesSlide18.xml><?xml version="1.0" encoding="utf-8"?>
+<p:notes xmlns:a="http://schemas.openxmlformats.org/drawingml/2006/main" xmlns:r="http://schemas.openxmlformats.org/officeDocument/2006/relationships" xmlns:p="http://schemas.openxmlformats.org/presentationml/2006/main">
+  <p:cSld>
+    <p:spTree>
+      <p:nvGrpSpPr>
+        <p:cNvPr id="1" name=""/>
+        <p:cNvGrpSpPr/>
+        <p:nvPr/>
+      </p:nvGrpSpPr>
+      <p:grpSpPr>
+        <a:xfrm>
+          <a:off x="0" y="0"/>
+          <a:ext cx="0" cy="0"/>
+          <a:chOff x="0" y="0"/>
+          <a:chExt cx="0" cy="0"/>
+        </a:xfrm>
+      </p:grpSpPr>
+      <p:sp>
+        <p:nvSpPr>
+          <p:cNvPr id="2" name="Zástupný symbol obrazu snímky 1"/>
+          <p:cNvSpPr>
+            <a:spLocks noGrp="1" noRot="1" noChangeAspect="1"/>
+          </p:cNvSpPr>
+          <p:nvPr>
+            <p:ph type="sldImg"/>
+          </p:nvPr>
+        </p:nvSpPr>
+        <p:spPr/>
+      </p:sp>
+      <p:sp>
+        <p:nvSpPr>
+          <p:cNvPr id="3" name="Zástupný symbol poznámok 2"/>
+          <p:cNvSpPr>
+            <a:spLocks noGrp="1"/>
+          </p:cNvSpPr>
+          <p:nvPr>
+            <p:ph type="body" idx="1"/>
+          </p:nvPr>
+        </p:nvSpPr>
+        <p:spPr/>
+        <p:txBody>
+          <a:bodyPr>
+            <a:normAutofit/>
+          </a:bodyPr>
+          <a:lstStyle/>
+          <a:p>
+            <a:endParaRPr lang="sk-SK"/>
+          </a:p>
+        </p:txBody>
+      </p:sp>
+      <p:sp>
+        <p:nvSpPr>
+          <p:cNvPr id="4" name="Zástupný symbol čísla snímky 3"/>
+          <p:cNvSpPr>
+            <a:spLocks noGrp="1"/>
+          </p:cNvSpPr>
+          <p:nvPr>
+            <p:ph type="sldNum" sz="quarter" idx="10"/>
+          </p:nvPr>
+        </p:nvSpPr>
+        <p:spPr/>
+        <p:txBody>
+          <a:bodyPr/>
+          <a:lstStyle/>
+          <a:p>
+            <a:fld id="{84E261F3-B75B-4839-8EE4-4F4B28321C76}" type="slidenum">
+              <a:rPr lang="sk-SK" smtClean="0"/>
+              <a:pPr/>
+              <a:t>18</a:t>
+            </a:fld>
+            <a:endParaRPr lang="sk-SK"/>
+          </a:p>
+        </p:txBody>
+      </p:sp>
+    </p:spTree>
+  </p:cSld>
+  <p:clrMapOvr>
+    <a:masterClrMapping/>
+  </p:clrMapOvr>
+</p:notes>
+</file>
+
 <file path=ppt/notesSlides/notesSlide2.xml><?xml version="1.0" encoding="utf-8"?>
 <p:notes xmlns:a="http://schemas.openxmlformats.org/drawingml/2006/main" xmlns:r="http://schemas.openxmlformats.org/officeDocument/2006/relationships" xmlns:p="http://schemas.openxmlformats.org/presentationml/2006/main">
   <p:cSld>
@@ -2051,7 +2134,7 @@
             <a:fld id="{6A812B65-9A1B-42FF-8DDA-365A2B0950AF}" type="datetimeFigureOut">
               <a:rPr lang="sk-SK" smtClean="0"/>
               <a:pPr/>
-              <a:t>19. 6. 2012</a:t>
+              <a:t>24. 6. 2012</a:t>
             </a:fld>
             <a:endParaRPr lang="sk-SK"/>
           </a:p>
@@ -2218,7 +2301,7 @@
             <a:fld id="{6A812B65-9A1B-42FF-8DDA-365A2B0950AF}" type="datetimeFigureOut">
               <a:rPr lang="sk-SK" smtClean="0"/>
               <a:pPr/>
-              <a:t>19. 6. 2012</a:t>
+              <a:t>24. 6. 2012</a:t>
             </a:fld>
             <a:endParaRPr lang="sk-SK"/>
           </a:p>
@@ -2395,7 +2478,7 @@
             <a:fld id="{6A812B65-9A1B-42FF-8DDA-365A2B0950AF}" type="datetimeFigureOut">
               <a:rPr lang="sk-SK" smtClean="0"/>
               <a:pPr/>
-              <a:t>19. 6. 2012</a:t>
+              <a:t>24. 6. 2012</a:t>
             </a:fld>
             <a:endParaRPr lang="sk-SK"/>
           </a:p>
@@ -2562,7 +2645,7 @@
             <a:fld id="{6A812B65-9A1B-42FF-8DDA-365A2B0950AF}" type="datetimeFigureOut">
               <a:rPr lang="sk-SK" smtClean="0"/>
               <a:pPr/>
-              <a:t>19. 6. 2012</a:t>
+              <a:t>24. 6. 2012</a:t>
             </a:fld>
             <a:endParaRPr lang="sk-SK"/>
           </a:p>
@@ -2805,7 +2888,7 @@
             <a:fld id="{6A812B65-9A1B-42FF-8DDA-365A2B0950AF}" type="datetimeFigureOut">
               <a:rPr lang="sk-SK" smtClean="0"/>
               <a:pPr/>
-              <a:t>19. 6. 2012</a:t>
+              <a:t>24. 6. 2012</a:t>
             </a:fld>
             <a:endParaRPr lang="sk-SK"/>
           </a:p>
@@ -3090,7 +3173,7 @@
             <a:fld id="{6A812B65-9A1B-42FF-8DDA-365A2B0950AF}" type="datetimeFigureOut">
               <a:rPr lang="sk-SK" smtClean="0"/>
               <a:pPr/>
-              <a:t>19. 6. 2012</a:t>
+              <a:t>24. 6. 2012</a:t>
             </a:fld>
             <a:endParaRPr lang="sk-SK"/>
           </a:p>
@@ -3509,7 +3592,7 @@
             <a:fld id="{6A812B65-9A1B-42FF-8DDA-365A2B0950AF}" type="datetimeFigureOut">
               <a:rPr lang="sk-SK" smtClean="0"/>
               <a:pPr/>
-              <a:t>19. 6. 2012</a:t>
+              <a:t>24. 6. 2012</a:t>
             </a:fld>
             <a:endParaRPr lang="sk-SK"/>
           </a:p>
@@ -3624,7 +3707,7 @@
             <a:fld id="{6A812B65-9A1B-42FF-8DDA-365A2B0950AF}" type="datetimeFigureOut">
               <a:rPr lang="sk-SK" smtClean="0"/>
               <a:pPr/>
-              <a:t>19. 6. 2012</a:t>
+              <a:t>24. 6. 2012</a:t>
             </a:fld>
             <a:endParaRPr lang="sk-SK"/>
           </a:p>
@@ -3716,7 +3799,7 @@
             <a:fld id="{6A812B65-9A1B-42FF-8DDA-365A2B0950AF}" type="datetimeFigureOut">
               <a:rPr lang="sk-SK" smtClean="0"/>
               <a:pPr/>
-              <a:t>19. 6. 2012</a:t>
+              <a:t>24. 6. 2012</a:t>
             </a:fld>
             <a:endParaRPr lang="sk-SK"/>
           </a:p>
@@ -3990,7 +4073,7 @@
             <a:fld id="{6A812B65-9A1B-42FF-8DDA-365A2B0950AF}" type="datetimeFigureOut">
               <a:rPr lang="sk-SK" smtClean="0"/>
               <a:pPr/>
-              <a:t>19. 6. 2012</a:t>
+              <a:t>24. 6. 2012</a:t>
             </a:fld>
             <a:endParaRPr lang="sk-SK"/>
           </a:p>
@@ -4240,7 +4323,7 @@
             <a:fld id="{6A812B65-9A1B-42FF-8DDA-365A2B0950AF}" type="datetimeFigureOut">
               <a:rPr lang="sk-SK" smtClean="0"/>
               <a:pPr/>
-              <a:t>19. 6. 2012</a:t>
+              <a:t>24. 6. 2012</a:t>
             </a:fld>
             <a:endParaRPr lang="sk-SK"/>
           </a:p>
@@ -4450,7 +4533,7 @@
             <a:fld id="{6A812B65-9A1B-42FF-8DDA-365A2B0950AF}" type="datetimeFigureOut">
               <a:rPr lang="sk-SK" smtClean="0"/>
               <a:pPr/>
-              <a:t>19. 6. 2012</a:t>
+              <a:t>24. 6. 2012</a:t>
             </a:fld>
             <a:endParaRPr lang="sk-SK"/>
           </a:p>
@@ -5308,11 +5391,7 @@
             </a:pPr>
             <a:r>
               <a:rPr lang="en-US" dirty="0" smtClean="0"/>
-              <a:t>The </a:t>
-            </a:r>
-            <a:r>
-              <a:rPr lang="en-US" dirty="0" smtClean="0"/>
-              <a:t>project does not validate by itself because new</a:t>
+              <a:t>The project does not validate by itself because new</a:t>
             </a:r>
           </a:p>
           <a:p>
@@ -5652,21 +5731,13 @@
           <a:p>
             <a:r>
               <a:rPr lang="en-US" dirty="0" smtClean="0"/>
-              <a:t>P</a:t>
-            </a:r>
-            <a:r>
-              <a:rPr lang="en-US" dirty="0" smtClean="0"/>
-              <a:t>repare repository with external artifacts</a:t>
-            </a:r>
-          </a:p>
-          <a:p>
-            <a:r>
-              <a:rPr lang="en-US" dirty="0" smtClean="0"/>
-              <a:t>Resolve conflicts on </a:t>
-            </a:r>
-            <a:r>
-              <a:rPr lang="en-US" dirty="0" smtClean="0"/>
-              <a:t>external artifacts</a:t>
+              <a:t>Prepare repository with external artifacts</a:t>
+            </a:r>
+          </a:p>
+          <a:p>
+            <a:r>
+              <a:rPr lang="en-US" dirty="0" smtClean="0"/>
+              <a:t>Resolve conflicts on external artifacts</a:t>
             </a:r>
             <a:endParaRPr lang="sk-SK" dirty="0"/>
           </a:p>
@@ -5746,7 +5817,6 @@
               <a:rPr lang="en-US" dirty="0" smtClean="0"/>
               <a:t>Exclusions applied only to external artifacts.</a:t>
             </a:r>
-            <a:endParaRPr lang="en-US" dirty="0" smtClean="0"/>
           </a:p>
           <a:p>
             <a:r>
@@ -5898,6 +5968,192 @@
         </p:nvSpPr>
         <p:spPr/>
         <p:txBody>
+          <a:bodyPr>
+            <a:normAutofit fontScale="90000"/>
+          </a:bodyPr>
+          <a:lstStyle/>
+          <a:p>
+            <a:r>
+              <a:rPr lang="en-US" dirty="0" smtClean="0"/>
+              <a:t>Dependency Management Violation</a:t>
+            </a:r>
+            <a:endParaRPr lang="sk-SK" dirty="0"/>
+          </a:p>
+        </p:txBody>
+      </p:sp>
+      <p:sp>
+        <p:nvSpPr>
+          <p:cNvPr id="3" name="Zástupný symbol obsahu 2"/>
+          <p:cNvSpPr>
+            <a:spLocks noGrp="1"/>
+          </p:cNvSpPr>
+          <p:nvPr>
+            <p:ph idx="1"/>
+          </p:nvPr>
+        </p:nvSpPr>
+        <p:spPr/>
+        <p:txBody>
+          <a:bodyPr>
+            <a:normAutofit lnSpcReduction="10000"/>
+          </a:bodyPr>
+          <a:lstStyle/>
+          <a:p>
+            <a:r>
+              <a:rPr lang="en-US" dirty="0" smtClean="0"/>
+              <a:t>&lt;/</a:t>
+            </a:r>
+            <a:r>
+              <a:rPr lang="en-US" dirty="0" err="1" smtClean="0"/>
+              <a:t>dependencyManagement</a:t>
+            </a:r>
+            <a:r>
+              <a:rPr lang="en-US" dirty="0" smtClean="0"/>
+              <a:t>&gt; </a:t>
+            </a:r>
+            <a:r>
+              <a:rPr lang="en-US" b="1" dirty="0" smtClean="0">
+                <a:solidFill>
+                  <a:srgbClr val="FF0000"/>
+                </a:solidFill>
+              </a:rPr>
+              <a:t>declares</a:t>
+            </a:r>
+            <a:r>
+              <a:rPr lang="en-US" dirty="0" smtClean="0"/>
+              <a:t> dependencies by POM packaging project</a:t>
+            </a:r>
+          </a:p>
+          <a:p>
+            <a:r>
+              <a:rPr lang="en-US" dirty="0" smtClean="0"/>
+              <a:t>&lt;/dependencies&gt; </a:t>
+            </a:r>
+            <a:r>
+              <a:rPr lang="en-US" b="1" dirty="0" smtClean="0">
+                <a:solidFill>
+                  <a:srgbClr val="FF0000"/>
+                </a:solidFill>
+              </a:rPr>
+              <a:t>uses</a:t>
+            </a:r>
+            <a:r>
+              <a:rPr lang="en-US" dirty="0" smtClean="0"/>
+              <a:t> artifacts in children</a:t>
+            </a:r>
+          </a:p>
+          <a:p>
+            <a:r>
+              <a:rPr lang="en-US" dirty="0" smtClean="0">
+                <a:solidFill>
+                  <a:srgbClr val="FF0000"/>
+                </a:solidFill>
+              </a:rPr>
+              <a:t>Properties specifying artifacts versions violate the whole idea of </a:t>
+            </a:r>
+            <a:r>
+              <a:rPr lang="en-US" dirty="0" err="1" smtClean="0">
+                <a:solidFill>
+                  <a:srgbClr val="FF0000"/>
+                </a:solidFill>
+              </a:rPr>
+              <a:t>dependencyManagement</a:t>
+            </a:r>
+            <a:endParaRPr lang="en-US" dirty="0" smtClean="0">
+              <a:solidFill>
+                <a:srgbClr val="FF0000"/>
+              </a:solidFill>
+            </a:endParaRPr>
+          </a:p>
+          <a:p>
+            <a:pPr>
+              <a:buNone/>
+            </a:pPr>
+            <a:endParaRPr lang="en-US" sz="2800" i="1" dirty="0" smtClean="0"/>
+          </a:p>
+          <a:p>
+            <a:pPr>
+              <a:buNone/>
+            </a:pPr>
+            <a:r>
+              <a:rPr lang="en-US" sz="2800" i="1" dirty="0" smtClean="0"/>
+              <a:t>See the link (project with </a:t>
+            </a:r>
+            <a:r>
+              <a:rPr lang="sk-SK" sz="2800" i="1" dirty="0" smtClean="0"/>
+              <a:t>&lt;</a:t>
+            </a:r>
+            <a:r>
+              <a:rPr lang="sk-SK" sz="2800" i="1" dirty="0" err="1" smtClean="0"/>
+              <a:t>artifactId</a:t>
+            </a:r>
+            <a:r>
+              <a:rPr lang="sk-SK" sz="2800" i="1" dirty="0" smtClean="0"/>
+              <a:t>&gt;bom&lt;/</a:t>
+            </a:r>
+            <a:r>
+              <a:rPr lang="sk-SK" sz="2800" i="1" dirty="0" err="1" smtClean="0"/>
+              <a:t>artifactId</a:t>
+            </a:r>
+            <a:r>
+              <a:rPr lang="sk-SK" sz="2800" i="1" dirty="0" smtClean="0"/>
+              <a:t>&gt;</a:t>
+            </a:r>
+            <a:r>
+              <a:rPr lang="en-US" sz="2800" i="1" dirty="0" smtClean="0"/>
+              <a:t>)</a:t>
+            </a:r>
+          </a:p>
+          <a:p>
+            <a:pPr>
+              <a:buNone/>
+            </a:pPr>
+            <a:r>
+              <a:rPr lang="sk-SK" sz="2400" i="1" dirty="0" smtClean="0">
+                <a:hlinkClick r:id="rId3"/>
+              </a:rPr>
+              <a:t>http://maven.apache.org/guides/introduction/introduction-to-dependency-mechanism.html#Importing_Dependencies</a:t>
+            </a:r>
+            <a:endParaRPr lang="sk-SK" sz="2400" i="1" dirty="0"/>
+          </a:p>
+        </p:txBody>
+      </p:sp>
+    </p:spTree>
+  </p:cSld>
+  <p:clrMapOvr>
+    <a:masterClrMapping/>
+  </p:clrMapOvr>
+</p:sld>
+</file>
+
+<file path=ppt/slides/slide18.xml><?xml version="1.0" encoding="utf-8"?>
+<p:sld xmlns:a="http://schemas.openxmlformats.org/drawingml/2006/main" xmlns:r="http://schemas.openxmlformats.org/officeDocument/2006/relationships" xmlns:p="http://schemas.openxmlformats.org/presentationml/2006/main">
+  <p:cSld>
+    <p:spTree>
+      <p:nvGrpSpPr>
+        <p:cNvPr id="1" name=""/>
+        <p:cNvGrpSpPr/>
+        <p:nvPr/>
+      </p:nvGrpSpPr>
+      <p:grpSpPr>
+        <a:xfrm>
+          <a:off x="0" y="0"/>
+          <a:ext cx="0" cy="0"/>
+          <a:chOff x="0" y="0"/>
+          <a:chExt cx="0" cy="0"/>
+        </a:xfrm>
+      </p:grpSpPr>
+      <p:sp>
+        <p:nvSpPr>
+          <p:cNvPr id="2" name="Nadpis 1"/>
+          <p:cNvSpPr>
+            <a:spLocks noGrp="1"/>
+          </p:cNvSpPr>
+          <p:nvPr>
+            <p:ph type="title"/>
+          </p:nvPr>
+        </p:nvSpPr>
+        <p:spPr/>
+        <p:txBody>
           <a:bodyPr/>
           <a:lstStyle/>
           <a:p>
@@ -5972,25 +6228,7 @@
                 </a:solidFill>
                 <a:hlinkClick r:id="rId3"/>
               </a:rPr>
-              <a:t>https</a:t>
-            </a:r>
-            <a:r>
-              <a:rPr lang="sk-SK" sz="2000" b="1" dirty="0" smtClean="0">
-                <a:solidFill>
-                  <a:srgbClr val="FF0000"/>
-                </a:solidFill>
-                <a:hlinkClick r:id="rId3"/>
-              </a:rPr>
-              <a:t>://</a:t>
-            </a:r>
-            <a:r>
-              <a:rPr lang="sk-SK" sz="2000" b="1" dirty="0" smtClean="0">
-                <a:solidFill>
-                  <a:srgbClr val="FF0000"/>
-                </a:solidFill>
-                <a:hlinkClick r:id="rId3"/>
-              </a:rPr>
-              <a:t>github.com/Tibor17/maven</a:t>
+              <a:t>https://github.com/Tibor17/maven</a:t>
             </a:r>
             <a:r>
               <a:rPr lang="sk-SK" sz="2000" dirty="0" smtClean="0">
@@ -6100,11 +6338,7 @@
             </a:r>
             <a:r>
               <a:rPr lang="en-US" b="1" dirty="0" smtClean="0"/>
-              <a:t>hell of duplicate </a:t>
-            </a:r>
-            <a:r>
-              <a:rPr lang="en-US" b="1" dirty="0" smtClean="0"/>
-              <a:t>and conflicting versions</a:t>
+              <a:t>hell of duplicate and conflicting versions</a:t>
             </a:r>
             <a:endParaRPr lang="sk-SK" b="1" dirty="0"/>
           </a:p>
@@ -6815,10 +7049,6 @@
               <a:rPr lang="en-US" i="1" dirty="0" smtClean="0"/>
               <a:t>com.xyz:internal-bundle-1:jar:1.0.0</a:t>
             </a:r>
-            <a:r>
-              <a:rPr lang="en-US" i="1" dirty="0" smtClean="0"/>
-              <a:t/>
-            </a:r>
             <a:br>
               <a:rPr lang="en-US" i="1" dirty="0" smtClean="0"/>
             </a:br>
@@ -6826,10 +7056,6 @@
               <a:rPr lang="en-US" i="1" dirty="0" smtClean="0"/>
               <a:t>com.xyz:internal-bundle-2:jar:1.0.0</a:t>
             </a:r>
-            <a:r>
-              <a:rPr lang="en-US" i="1" dirty="0" smtClean="0"/>
-              <a:t/>
-            </a:r>
             <a:br>
               <a:rPr lang="en-US" i="1" dirty="0" smtClean="0"/>
             </a:br>
@@ -6837,7 +7063,6 @@
               <a:rPr lang="en-US" i="1" dirty="0" smtClean="0"/>
               <a:t>com.xyz:internal-bundle-3:jar:1.0.0</a:t>
             </a:r>
-            <a:endParaRPr lang="en-US" i="1" dirty="0" smtClean="0"/>
           </a:p>
           <a:p>
             <a:r>
